--- a/DeepHumanPrediction/Code/Master_Thesis/Presentation.pptx
+++ b/DeepHumanPrediction/Code/Master_Thesis/Presentation.pptx
@@ -181,7 +181,7 @@
       </p14:sectionLst>
     </p:ext>
     <p:ext uri="{EFAFB233-063F-42B5-8137-9DF3F51BA10A}">
-      <p15:sldGuideLst xmlns="" xmlns:p15="http://schemas.microsoft.com/office/powerpoint/2012/main">
+      <p15:sldGuideLst xmlns:p15="http://schemas.microsoft.com/office/powerpoint/2012/main" xmlns="">
         <p15:guide id="1" orient="horz" pos="2160" userDrawn="1">
           <p15:clr>
             <a:srgbClr val="A4A3A4"/>
@@ -280,7 +280,7 @@
           <a:p>
             <a:fld id="{7A628D69-956E-4DC0-97B0-E1AF94AEBF3E}" type="datetimeFigureOut">
               <a:rPr lang="ko-KR" altLang="en-US" smtClean="0"/>
-              <a:t>2017-10-04</a:t>
+              <a:t>2017-10-05</a:t>
             </a:fld>
             <a:endParaRPr lang="ko-KR" altLang="en-US"/>
           </a:p>
@@ -445,7 +445,7 @@
           <a:p>
             <a:fld id="{DF60411C-8EBA-481A-BB86-6E61A9CC0269}" type="datetimeFigureOut">
               <a:rPr lang="ko-KR" altLang="en-US" smtClean="0"/>
-              <a:t>2017-10-04</a:t>
+              <a:t>2017-10-05</a:t>
             </a:fld>
             <a:endParaRPr lang="ko-KR" altLang="en-US"/>
           </a:p>
@@ -1917,7 +1917,7 @@
           <a:p>
             <a:fld id="{257AF53F-3275-4803-AB0B-AB06DB8DC821}" type="slidenum">
               <a:rPr lang="ko-KR" altLang="en-US" smtClean="0"/>
-              <a:t>29</a:t>
+              <a:t>21</a:t>
             </a:fld>
             <a:endParaRPr lang="ko-KR" altLang="en-US"/>
           </a:p>
@@ -1926,7 +1926,7 @@
     </p:spTree>
     <p:extLst>
       <p:ext uri="{BB962C8B-B14F-4D97-AF65-F5344CB8AC3E}">
-        <p14:creationId xmlns:p14="http://schemas.microsoft.com/office/powerpoint/2010/main" val="477769055"/>
+        <p14:creationId xmlns:p14="http://schemas.microsoft.com/office/powerpoint/2010/main" val="1677548860"/>
       </p:ext>
     </p:extLst>
   </p:cSld>
@@ -1980,6 +1980,18 @@
           <a:bodyPr/>
           <a:lstStyle/>
           <a:p>
+            <a:r>
+              <a:rPr lang="ko-KR" altLang="en-US" dirty="0" smtClean="0"/>
+              <a:t>더 다양한 동작 </a:t>
+            </a:r>
+            <a:r>
+              <a:rPr lang="en-US" altLang="ko-KR" dirty="0" smtClean="0"/>
+              <a:t>, </a:t>
+            </a:r>
+            <a:r>
+              <a:rPr lang="ko-KR" altLang="en-US" dirty="0" smtClean="0"/>
+              <a:t>더 많은 사람의 데이터를 만들기</a:t>
+            </a:r>
             <a:endParaRPr lang="ko-KR" altLang="en-US" dirty="0"/>
           </a:p>
         </p:txBody>
@@ -2001,7 +2013,7 @@
           <a:p>
             <a:fld id="{257AF53F-3275-4803-AB0B-AB06DB8DC821}" type="slidenum">
               <a:rPr lang="ko-KR" altLang="en-US" smtClean="0"/>
-              <a:t>30</a:t>
+              <a:t>27</a:t>
             </a:fld>
             <a:endParaRPr lang="ko-KR" altLang="en-US"/>
           </a:p>
@@ -2010,7 +2022,7 @@
     </p:spTree>
     <p:extLst>
       <p:ext uri="{BB962C8B-B14F-4D97-AF65-F5344CB8AC3E}">
-        <p14:creationId xmlns:p14="http://schemas.microsoft.com/office/powerpoint/2010/main" val="477769055"/>
+        <p14:creationId xmlns:p14="http://schemas.microsoft.com/office/powerpoint/2010/main" val="26715535"/>
       </p:ext>
     </p:extLst>
   </p:cSld>
@@ -2128,6 +2140,174 @@
     <p:extLst>
       <p:ext uri="{BB962C8B-B14F-4D97-AF65-F5344CB8AC3E}">
         <p14:creationId xmlns:p14="http://schemas.microsoft.com/office/powerpoint/2010/main" val="2884509907"/>
+      </p:ext>
+    </p:extLst>
+  </p:cSld>
+  <p:clrMapOvr>
+    <a:masterClrMapping/>
+  </p:clrMapOvr>
+</p:notes>
+</file>
+
+<file path=ppt/notesSlides/notesSlide20.xml><?xml version="1.0" encoding="utf-8"?>
+<p:notes xmlns:a="http://schemas.openxmlformats.org/drawingml/2006/main" xmlns:r="http://schemas.openxmlformats.org/officeDocument/2006/relationships" xmlns:p="http://schemas.openxmlformats.org/presentationml/2006/main">
+  <p:cSld>
+    <p:spTree>
+      <p:nvGrpSpPr>
+        <p:cNvPr id="1" name=""/>
+        <p:cNvGrpSpPr/>
+        <p:nvPr/>
+      </p:nvGrpSpPr>
+      <p:grpSpPr>
+        <a:xfrm>
+          <a:off x="0" y="0"/>
+          <a:ext cx="0" cy="0"/>
+          <a:chOff x="0" y="0"/>
+          <a:chExt cx="0" cy="0"/>
+        </a:xfrm>
+      </p:grpSpPr>
+      <p:sp>
+        <p:nvSpPr>
+          <p:cNvPr id="2" name="슬라이드 이미지 개체 틀 1"/>
+          <p:cNvSpPr>
+            <a:spLocks noGrp="1" noRot="1" noChangeAspect="1"/>
+          </p:cNvSpPr>
+          <p:nvPr>
+            <p:ph type="sldImg"/>
+          </p:nvPr>
+        </p:nvSpPr>
+        <p:spPr/>
+      </p:sp>
+      <p:sp>
+        <p:nvSpPr>
+          <p:cNvPr id="3" name="슬라이드 노트 개체 틀 2"/>
+          <p:cNvSpPr>
+            <a:spLocks noGrp="1"/>
+          </p:cNvSpPr>
+          <p:nvPr>
+            <p:ph type="body" idx="1"/>
+          </p:nvPr>
+        </p:nvSpPr>
+        <p:spPr/>
+        <p:txBody>
+          <a:bodyPr/>
+          <a:lstStyle/>
+          <a:p>
+            <a:endParaRPr lang="ko-KR" altLang="en-US" dirty="0"/>
+          </a:p>
+        </p:txBody>
+      </p:sp>
+      <p:sp>
+        <p:nvSpPr>
+          <p:cNvPr id="4" name="슬라이드 번호 개체 틀 3"/>
+          <p:cNvSpPr>
+            <a:spLocks noGrp="1"/>
+          </p:cNvSpPr>
+          <p:nvPr>
+            <p:ph type="sldNum" sz="quarter" idx="10"/>
+          </p:nvPr>
+        </p:nvSpPr>
+        <p:spPr/>
+        <p:txBody>
+          <a:bodyPr/>
+          <a:lstStyle/>
+          <a:p>
+            <a:fld id="{257AF53F-3275-4803-AB0B-AB06DB8DC821}" type="slidenum">
+              <a:rPr lang="ko-KR" altLang="en-US" smtClean="0"/>
+              <a:t>29</a:t>
+            </a:fld>
+            <a:endParaRPr lang="ko-KR" altLang="en-US"/>
+          </a:p>
+        </p:txBody>
+      </p:sp>
+    </p:spTree>
+    <p:extLst>
+      <p:ext uri="{BB962C8B-B14F-4D97-AF65-F5344CB8AC3E}">
+        <p14:creationId xmlns:p14="http://schemas.microsoft.com/office/powerpoint/2010/main" val="477769055"/>
+      </p:ext>
+    </p:extLst>
+  </p:cSld>
+  <p:clrMapOvr>
+    <a:masterClrMapping/>
+  </p:clrMapOvr>
+</p:notes>
+</file>
+
+<file path=ppt/notesSlides/notesSlide21.xml><?xml version="1.0" encoding="utf-8"?>
+<p:notes xmlns:a="http://schemas.openxmlformats.org/drawingml/2006/main" xmlns:r="http://schemas.openxmlformats.org/officeDocument/2006/relationships" xmlns:p="http://schemas.openxmlformats.org/presentationml/2006/main">
+  <p:cSld>
+    <p:spTree>
+      <p:nvGrpSpPr>
+        <p:cNvPr id="1" name=""/>
+        <p:cNvGrpSpPr/>
+        <p:nvPr/>
+      </p:nvGrpSpPr>
+      <p:grpSpPr>
+        <a:xfrm>
+          <a:off x="0" y="0"/>
+          <a:ext cx="0" cy="0"/>
+          <a:chOff x="0" y="0"/>
+          <a:chExt cx="0" cy="0"/>
+        </a:xfrm>
+      </p:grpSpPr>
+      <p:sp>
+        <p:nvSpPr>
+          <p:cNvPr id="2" name="슬라이드 이미지 개체 틀 1"/>
+          <p:cNvSpPr>
+            <a:spLocks noGrp="1" noRot="1" noChangeAspect="1"/>
+          </p:cNvSpPr>
+          <p:nvPr>
+            <p:ph type="sldImg"/>
+          </p:nvPr>
+        </p:nvSpPr>
+        <p:spPr/>
+      </p:sp>
+      <p:sp>
+        <p:nvSpPr>
+          <p:cNvPr id="3" name="슬라이드 노트 개체 틀 2"/>
+          <p:cNvSpPr>
+            <a:spLocks noGrp="1"/>
+          </p:cNvSpPr>
+          <p:nvPr>
+            <p:ph type="body" idx="1"/>
+          </p:nvPr>
+        </p:nvSpPr>
+        <p:spPr/>
+        <p:txBody>
+          <a:bodyPr/>
+          <a:lstStyle/>
+          <a:p>
+            <a:endParaRPr lang="ko-KR" altLang="en-US" dirty="0"/>
+          </a:p>
+        </p:txBody>
+      </p:sp>
+      <p:sp>
+        <p:nvSpPr>
+          <p:cNvPr id="4" name="슬라이드 번호 개체 틀 3"/>
+          <p:cNvSpPr>
+            <a:spLocks noGrp="1"/>
+          </p:cNvSpPr>
+          <p:nvPr>
+            <p:ph type="sldNum" sz="quarter" idx="10"/>
+          </p:nvPr>
+        </p:nvSpPr>
+        <p:spPr/>
+        <p:txBody>
+          <a:bodyPr/>
+          <a:lstStyle/>
+          <a:p>
+            <a:fld id="{257AF53F-3275-4803-AB0B-AB06DB8DC821}" type="slidenum">
+              <a:rPr lang="ko-KR" altLang="en-US" smtClean="0"/>
+              <a:t>30</a:t>
+            </a:fld>
+            <a:endParaRPr lang="ko-KR" altLang="en-US"/>
+          </a:p>
+        </p:txBody>
+      </p:sp>
+    </p:spTree>
+    <p:extLst>
+      <p:ext uri="{BB962C8B-B14F-4D97-AF65-F5344CB8AC3E}">
+        <p14:creationId xmlns:p14="http://schemas.microsoft.com/office/powerpoint/2010/main" val="477769055"/>
       </p:ext>
     </p:extLst>
   </p:cSld>
@@ -3170,7 +3350,7 @@
           <a:p>
             <a:fld id="{F6E1C7A5-CCDB-4B8B-96E2-0BC75366CF8E}" type="datetime1">
               <a:rPr lang="ko-KR" altLang="en-US" smtClean="0"/>
-              <a:t>2017-10-04</a:t>
+              <a:t>2017-10-05</a:t>
             </a:fld>
             <a:endParaRPr lang="ko-KR" altLang="en-US"/>
           </a:p>
@@ -3350,7 +3530,7 @@
           <a:p>
             <a:fld id="{334DC188-25CC-460E-BCE5-EFD4D5941076}" type="datetime1">
               <a:rPr lang="ko-KR" altLang="en-US" smtClean="0"/>
-              <a:t>2017-10-04</a:t>
+              <a:t>2017-10-05</a:t>
             </a:fld>
             <a:endParaRPr lang="ko-KR" altLang="en-US"/>
           </a:p>
@@ -3528,7 +3708,7 @@
           <a:p>
             <a:fld id="{BEDF48EE-63F6-402D-8F7D-966CFABBD3F3}" type="datetime1">
               <a:rPr lang="ko-KR" altLang="en-US" smtClean="0"/>
-              <a:t>2017-10-04</a:t>
+              <a:t>2017-10-05</a:t>
             </a:fld>
             <a:endParaRPr lang="ko-KR" altLang="en-US"/>
           </a:p>
@@ -3696,7 +3876,7 @@
           <a:p>
             <a:fld id="{8B2A380D-D8B6-4262-8FFE-100913488A65}" type="datetime1">
               <a:rPr lang="ko-KR" altLang="en-US" smtClean="0"/>
-              <a:t>2017-10-04</a:t>
+              <a:t>2017-10-05</a:t>
             </a:fld>
             <a:endParaRPr lang="ko-KR" altLang="en-US"/>
           </a:p>
@@ -3941,7 +4121,7 @@
           <a:p>
             <a:fld id="{FBF6BE51-CA44-4423-8DB1-FF5BCB02CAA0}" type="datetime1">
               <a:rPr lang="ko-KR" altLang="en-US" smtClean="0"/>
-              <a:t>2017-10-04</a:t>
+              <a:t>2017-10-05</a:t>
             </a:fld>
             <a:endParaRPr lang="ko-KR" altLang="en-US"/>
           </a:p>
@@ -4226,7 +4406,7 @@
           <a:p>
             <a:fld id="{1E031E08-1973-4F31-8314-D5169B7B2114}" type="datetime1">
               <a:rPr lang="ko-KR" altLang="en-US" smtClean="0"/>
-              <a:t>2017-10-04</a:t>
+              <a:t>2017-10-05</a:t>
             </a:fld>
             <a:endParaRPr lang="ko-KR" altLang="en-US"/>
           </a:p>
@@ -4645,7 +4825,7 @@
           <a:p>
             <a:fld id="{F2839F3B-59F5-4438-983C-37E416C670C6}" type="datetime1">
               <a:rPr lang="ko-KR" altLang="en-US" smtClean="0"/>
-              <a:t>2017-10-04</a:t>
+              <a:t>2017-10-05</a:t>
             </a:fld>
             <a:endParaRPr lang="ko-KR" altLang="en-US"/>
           </a:p>
@@ -4762,7 +4942,7 @@
           <a:p>
             <a:fld id="{263A93BD-8DE0-4FB3-A176-8875DE1D2CCD}" type="datetime1">
               <a:rPr lang="ko-KR" altLang="en-US" smtClean="0"/>
-              <a:t>2017-10-04</a:t>
+              <a:t>2017-10-05</a:t>
             </a:fld>
             <a:endParaRPr lang="ko-KR" altLang="en-US"/>
           </a:p>
@@ -4857,7 +5037,7 @@
           <a:p>
             <a:fld id="{53638D32-03BC-4289-AFB0-8C906D7EF998}" type="datetime1">
               <a:rPr lang="ko-KR" altLang="en-US" smtClean="0"/>
-              <a:t>2017-10-04</a:t>
+              <a:t>2017-10-05</a:t>
             </a:fld>
             <a:endParaRPr lang="ko-KR" altLang="en-US"/>
           </a:p>
@@ -5132,7 +5312,7 @@
           <a:p>
             <a:fld id="{27959FE0-4E4A-44D7-B082-255A2FC6158C}" type="datetime1">
               <a:rPr lang="ko-KR" altLang="en-US" smtClean="0"/>
-              <a:t>2017-10-04</a:t>
+              <a:t>2017-10-05</a:t>
             </a:fld>
             <a:endParaRPr lang="ko-KR" altLang="en-US"/>
           </a:p>
@@ -5384,7 +5564,7 @@
           <a:p>
             <a:fld id="{56A46F06-52B0-435F-80DC-FC1E7FBBF9AF}" type="datetime1">
               <a:rPr lang="ko-KR" altLang="en-US" smtClean="0"/>
-              <a:t>2017-10-04</a:t>
+              <a:t>2017-10-05</a:t>
             </a:fld>
             <a:endParaRPr lang="ko-KR" altLang="en-US"/>
           </a:p>
@@ -5595,7 +5775,7 @@
           <a:p>
             <a:fld id="{6C083682-5545-4B66-A22D-D64D1F426463}" type="datetime1">
               <a:rPr lang="ko-KR" altLang="en-US" smtClean="0"/>
-              <a:t>2017-10-04</a:t>
+              <a:t>2017-10-05</a:t>
             </a:fld>
             <a:endParaRPr lang="ko-KR" altLang="en-US"/>
           </a:p>
@@ -6189,10 +6369,10 @@
                 </a:solidFill>
                 <a:sym typeface="Wingdings"/>
               </a:rPr>
-              <a:t>Motion Analysis Using </a:t>
-            </a:r>
-            <a:r>
-              <a:rPr lang="en-US" altLang="ko-KR" sz="3600" b="1" spc="5" dirty="0" err="1" smtClean="0">
+              <a:t>Motion </a:t>
+            </a:r>
+            <a:r>
+              <a:rPr lang="en-US" altLang="ko-KR" sz="3600" b="1" spc="5" smtClean="0">
                 <a:solidFill>
                   <a:srgbClr val="808080">
                     <a:alpha val="100000"/>
@@ -6200,10 +6380,10 @@
                 </a:solidFill>
                 <a:sym typeface="Wingdings"/>
               </a:rPr>
-              <a:t>varidfa</a:t>
-            </a:r>
-            <a:r>
-              <a:rPr lang="en-US" altLang="ko-KR" sz="3600" b="1" spc="5" dirty="0" smtClean="0">
+              <a:t>Analysis </a:t>
+            </a:r>
+            <a:r>
+              <a:rPr lang="en-US" altLang="ko-KR" sz="3600" b="1" spc="5" smtClean="0">
                 <a:solidFill>
                   <a:srgbClr val="808080">
                     <a:alpha val="100000"/>
@@ -6211,7 +6391,7 @@
                 </a:solidFill>
                 <a:sym typeface="Wingdings"/>
               </a:rPr>
-              <a:t>  </a:t>
+              <a:t>Using</a:t>
             </a:r>
             <a:endParaRPr lang="ko-KR" altLang="en-US" sz="3600" b="1" spc="5" dirty="0">
               <a:solidFill>
@@ -6444,7 +6624,7 @@
           <p:cNvPr id="7" name="그림 6">
             <a:extLst>
               <a:ext uri="{FF2B5EF4-FFF2-40B4-BE49-F238E27FC236}">
-                <a16:creationId xmlns="" xmlns:a16="http://schemas.microsoft.com/office/drawing/2014/main" id="{A9C90B28-BE75-4AB6-B534-7442C4B24ED6}"/>
+                <a16:creationId xmlns:a16="http://schemas.microsoft.com/office/drawing/2014/main" xmlns="" id="{A9C90B28-BE75-4AB6-B534-7442C4B24ED6}"/>
               </a:ext>
             </a:extLst>
           </p:cNvPr>
@@ -6518,7 +6698,7 @@
           <p:cNvPr id="2" name="그룹 1">
             <a:extLst>
               <a:ext uri="{FF2B5EF4-FFF2-40B4-BE49-F238E27FC236}">
-                <a16:creationId xmlns="" xmlns:a16="http://schemas.microsoft.com/office/drawing/2014/main" id="{D38FE608-8D17-49BB-972B-A46D5CF18168}"/>
+                <a16:creationId xmlns:a16="http://schemas.microsoft.com/office/drawing/2014/main" xmlns="" id="{D38FE608-8D17-49BB-972B-A46D5CF18168}"/>
               </a:ext>
             </a:extLst>
           </p:cNvPr>
@@ -7225,7 +7405,7 @@
           <p:cNvPr id="15" name="그림 14">
             <a:extLst>
               <a:ext uri="{FF2B5EF4-FFF2-40B4-BE49-F238E27FC236}">
-                <a16:creationId xmlns="" xmlns:a16="http://schemas.microsoft.com/office/drawing/2014/main" id="{A9C90B28-BE75-4AB6-B534-7442C4B24ED6}"/>
+                <a16:creationId xmlns:a16="http://schemas.microsoft.com/office/drawing/2014/main" xmlns="" id="{A9C90B28-BE75-4AB6-B534-7442C4B24ED6}"/>
               </a:ext>
             </a:extLst>
           </p:cNvPr>
@@ -7889,7 +8069,7 @@
           <p:cNvPr id="2" name="그룹 1">
             <a:extLst>
               <a:ext uri="{FF2B5EF4-FFF2-40B4-BE49-F238E27FC236}">
-                <a16:creationId xmlns="" xmlns:a16="http://schemas.microsoft.com/office/drawing/2014/main" id="{D38FE608-8D17-49BB-972B-A46D5CF18168}"/>
+                <a16:creationId xmlns:a16="http://schemas.microsoft.com/office/drawing/2014/main" xmlns="" id="{D38FE608-8D17-49BB-972B-A46D5CF18168}"/>
               </a:ext>
             </a:extLst>
           </p:cNvPr>
@@ -8661,7 +8841,7 @@
           <p:cNvPr id="9" name="그림 8">
             <a:extLst>
               <a:ext uri="{FF2B5EF4-FFF2-40B4-BE49-F238E27FC236}">
-                <a16:creationId xmlns="" xmlns:a16="http://schemas.microsoft.com/office/drawing/2014/main" id="{A9C90B28-BE75-4AB6-B534-7442C4B24ED6}"/>
+                <a16:creationId xmlns:a16="http://schemas.microsoft.com/office/drawing/2014/main" xmlns="" id="{A9C90B28-BE75-4AB6-B534-7442C4B24ED6}"/>
               </a:ext>
             </a:extLst>
           </p:cNvPr>
@@ -9875,7 +10055,7 @@
           <p:cNvPr id="2" name="그룹 1">
             <a:extLst>
               <a:ext uri="{FF2B5EF4-FFF2-40B4-BE49-F238E27FC236}">
-                <a16:creationId xmlns="" xmlns:a16="http://schemas.microsoft.com/office/drawing/2014/main" id="{D38FE608-8D17-49BB-972B-A46D5CF18168}"/>
+                <a16:creationId xmlns:a16="http://schemas.microsoft.com/office/drawing/2014/main" xmlns="" id="{D38FE608-8D17-49BB-972B-A46D5CF18168}"/>
               </a:ext>
             </a:extLst>
           </p:cNvPr>
@@ -10655,7 +10835,7 @@
           <p:cNvPr id="9" name="그림 8">
             <a:extLst>
               <a:ext uri="{FF2B5EF4-FFF2-40B4-BE49-F238E27FC236}">
-                <a16:creationId xmlns="" xmlns:a16="http://schemas.microsoft.com/office/drawing/2014/main" id="{A9C90B28-BE75-4AB6-B534-7442C4B24ED6}"/>
+                <a16:creationId xmlns:a16="http://schemas.microsoft.com/office/drawing/2014/main" xmlns="" id="{A9C90B28-BE75-4AB6-B534-7442C4B24ED6}"/>
               </a:ext>
             </a:extLst>
           </p:cNvPr>
@@ -11829,7 +12009,7 @@
           <p:cNvPr id="2" name="그룹 1">
             <a:extLst>
               <a:ext uri="{FF2B5EF4-FFF2-40B4-BE49-F238E27FC236}">
-                <a16:creationId xmlns="" xmlns:a16="http://schemas.microsoft.com/office/drawing/2014/main" id="{D38FE608-8D17-49BB-972B-A46D5CF18168}"/>
+                <a16:creationId xmlns:a16="http://schemas.microsoft.com/office/drawing/2014/main" xmlns="" id="{D38FE608-8D17-49BB-972B-A46D5CF18168}"/>
               </a:ext>
             </a:extLst>
           </p:cNvPr>
@@ -12519,7 +12699,7 @@
           <p:cNvPr id="9" name="그림 8">
             <a:extLst>
               <a:ext uri="{FF2B5EF4-FFF2-40B4-BE49-F238E27FC236}">
-                <a16:creationId xmlns="" xmlns:a16="http://schemas.microsoft.com/office/drawing/2014/main" id="{A9C90B28-BE75-4AB6-B534-7442C4B24ED6}"/>
+                <a16:creationId xmlns:a16="http://schemas.microsoft.com/office/drawing/2014/main" xmlns="" id="{A9C90B28-BE75-4AB6-B534-7442C4B24ED6}"/>
               </a:ext>
             </a:extLst>
           </p:cNvPr>
@@ -14371,7 +14551,7 @@
           <p:cNvPr id="2" name="그룹 1">
             <a:extLst>
               <a:ext uri="{FF2B5EF4-FFF2-40B4-BE49-F238E27FC236}">
-                <a16:creationId xmlns="" xmlns:a16="http://schemas.microsoft.com/office/drawing/2014/main" id="{D38FE608-8D17-49BB-972B-A46D5CF18168}"/>
+                <a16:creationId xmlns:a16="http://schemas.microsoft.com/office/drawing/2014/main" xmlns="" id="{D38FE608-8D17-49BB-972B-A46D5CF18168}"/>
               </a:ext>
             </a:extLst>
           </p:cNvPr>
@@ -15084,7 +15264,7 @@
           <p:cNvPr id="9" name="그림 8">
             <a:extLst>
               <a:ext uri="{FF2B5EF4-FFF2-40B4-BE49-F238E27FC236}">
-                <a16:creationId xmlns="" xmlns:a16="http://schemas.microsoft.com/office/drawing/2014/main" id="{A9C90B28-BE75-4AB6-B534-7442C4B24ED6}"/>
+                <a16:creationId xmlns:a16="http://schemas.microsoft.com/office/drawing/2014/main" xmlns="" id="{A9C90B28-BE75-4AB6-B534-7442C4B24ED6}"/>
               </a:ext>
             </a:extLst>
           </p:cNvPr>
@@ -16580,7 +16760,7 @@
           <p:cNvPr id="2" name="그룹 1">
             <a:extLst>
               <a:ext uri="{FF2B5EF4-FFF2-40B4-BE49-F238E27FC236}">
-                <a16:creationId xmlns="" xmlns:a16="http://schemas.microsoft.com/office/drawing/2014/main" id="{D38FE608-8D17-49BB-972B-A46D5CF18168}"/>
+                <a16:creationId xmlns:a16="http://schemas.microsoft.com/office/drawing/2014/main" xmlns="" id="{D38FE608-8D17-49BB-972B-A46D5CF18168}"/>
               </a:ext>
             </a:extLst>
           </p:cNvPr>
@@ -17304,7 +17484,7 @@
           <p:cNvPr id="9" name="그림 8">
             <a:extLst>
               <a:ext uri="{FF2B5EF4-FFF2-40B4-BE49-F238E27FC236}">
-                <a16:creationId xmlns="" xmlns:a16="http://schemas.microsoft.com/office/drawing/2014/main" id="{A9C90B28-BE75-4AB6-B534-7442C4B24ED6}"/>
+                <a16:creationId xmlns:a16="http://schemas.microsoft.com/office/drawing/2014/main" xmlns="" id="{A9C90B28-BE75-4AB6-B534-7442C4B24ED6}"/>
               </a:ext>
             </a:extLst>
           </p:cNvPr>
@@ -18038,7 +18218,7 @@
           <p:cNvPr id="2" name="그룹 1">
             <a:extLst>
               <a:ext uri="{FF2B5EF4-FFF2-40B4-BE49-F238E27FC236}">
-                <a16:creationId xmlns="" xmlns:a16="http://schemas.microsoft.com/office/drawing/2014/main" id="{D38FE608-8D17-49BB-972B-A46D5CF18168}"/>
+                <a16:creationId xmlns:a16="http://schemas.microsoft.com/office/drawing/2014/main" xmlns="" id="{D38FE608-8D17-49BB-972B-A46D5CF18168}"/>
               </a:ext>
             </a:extLst>
           </p:cNvPr>
@@ -18728,7 +18908,7 @@
           <p:cNvPr id="9" name="그림 8">
             <a:extLst>
               <a:ext uri="{FF2B5EF4-FFF2-40B4-BE49-F238E27FC236}">
-                <a16:creationId xmlns="" xmlns:a16="http://schemas.microsoft.com/office/drawing/2014/main" id="{A9C90B28-BE75-4AB6-B534-7442C4B24ED6}"/>
+                <a16:creationId xmlns:a16="http://schemas.microsoft.com/office/drawing/2014/main" xmlns="" id="{A9C90B28-BE75-4AB6-B534-7442C4B24ED6}"/>
               </a:ext>
             </a:extLst>
           </p:cNvPr>
@@ -18984,7 +19164,7 @@
           <p:cNvPr id="9" name="그림 8">
             <a:extLst>
               <a:ext uri="{FF2B5EF4-FFF2-40B4-BE49-F238E27FC236}">
-                <a16:creationId xmlns="" xmlns:a16="http://schemas.microsoft.com/office/drawing/2014/main" id="{A9C90B28-BE75-4AB6-B534-7442C4B24ED6}"/>
+                <a16:creationId xmlns:a16="http://schemas.microsoft.com/office/drawing/2014/main" xmlns="" id="{A9C90B28-BE75-4AB6-B534-7442C4B24ED6}"/>
               </a:ext>
             </a:extLst>
           </p:cNvPr>
@@ -20533,7 +20713,7 @@
           <p:cNvPr id="54" name="그룹 53">
             <a:extLst>
               <a:ext uri="{FF2B5EF4-FFF2-40B4-BE49-F238E27FC236}">
-                <a16:creationId xmlns="" xmlns:a16="http://schemas.microsoft.com/office/drawing/2014/main" id="{D38FE608-8D17-49BB-972B-A46D5CF18168}"/>
+                <a16:creationId xmlns:a16="http://schemas.microsoft.com/office/drawing/2014/main" xmlns="" id="{D38FE608-8D17-49BB-972B-A46D5CF18168}"/>
               </a:ext>
             </a:extLst>
           </p:cNvPr>
@@ -21367,7 +21547,7 @@
           <p:cNvPr id="9" name="그림 8">
             <a:extLst>
               <a:ext uri="{FF2B5EF4-FFF2-40B4-BE49-F238E27FC236}">
-                <a16:creationId xmlns="" xmlns:a16="http://schemas.microsoft.com/office/drawing/2014/main" id="{A9C90B28-BE75-4AB6-B534-7442C4B24ED6}"/>
+                <a16:creationId xmlns:a16="http://schemas.microsoft.com/office/drawing/2014/main" xmlns="" id="{A9C90B28-BE75-4AB6-B534-7442C4B24ED6}"/>
               </a:ext>
             </a:extLst>
           </p:cNvPr>
@@ -22694,7 +22874,7 @@
           <p:cNvPr id="39" name="그룹 38">
             <a:extLst>
               <a:ext uri="{FF2B5EF4-FFF2-40B4-BE49-F238E27FC236}">
-                <a16:creationId xmlns="" xmlns:a16="http://schemas.microsoft.com/office/drawing/2014/main" id="{D38FE608-8D17-49BB-972B-A46D5CF18168}"/>
+                <a16:creationId xmlns:a16="http://schemas.microsoft.com/office/drawing/2014/main" xmlns="" id="{D38FE608-8D17-49BB-972B-A46D5CF18168}"/>
               </a:ext>
             </a:extLst>
           </p:cNvPr>
@@ -23542,7 +23722,7 @@
           <p:cNvPr id="9" name="그림 8">
             <a:extLst>
               <a:ext uri="{FF2B5EF4-FFF2-40B4-BE49-F238E27FC236}">
-                <a16:creationId xmlns="" xmlns:a16="http://schemas.microsoft.com/office/drawing/2014/main" id="{A9C90B28-BE75-4AB6-B534-7442C4B24ED6}"/>
+                <a16:creationId xmlns:a16="http://schemas.microsoft.com/office/drawing/2014/main" xmlns="" id="{A9C90B28-BE75-4AB6-B534-7442C4B24ED6}"/>
               </a:ext>
             </a:extLst>
           </p:cNvPr>
@@ -23579,7 +23759,7 @@
           <p:cNvPr id="39" name="그룹 38">
             <a:extLst>
               <a:ext uri="{FF2B5EF4-FFF2-40B4-BE49-F238E27FC236}">
-                <a16:creationId xmlns="" xmlns:a16="http://schemas.microsoft.com/office/drawing/2014/main" id="{D38FE608-8D17-49BB-972B-A46D5CF18168}"/>
+                <a16:creationId xmlns:a16="http://schemas.microsoft.com/office/drawing/2014/main" xmlns="" id="{D38FE608-8D17-49BB-972B-A46D5CF18168}"/>
               </a:ext>
             </a:extLst>
           </p:cNvPr>
@@ -24615,7 +24795,7 @@
           <p:cNvPr id="2" name="그룹 1">
             <a:extLst>
               <a:ext uri="{FF2B5EF4-FFF2-40B4-BE49-F238E27FC236}">
-                <a16:creationId xmlns="" xmlns:a16="http://schemas.microsoft.com/office/drawing/2014/main" id="{D38FE608-8D17-49BB-972B-A46D5CF18168}"/>
+                <a16:creationId xmlns:a16="http://schemas.microsoft.com/office/drawing/2014/main" xmlns="" id="{D38FE608-8D17-49BB-972B-A46D5CF18168}"/>
               </a:ext>
             </a:extLst>
           </p:cNvPr>
@@ -25516,15 +25696,7 @@
                   <a:srgbClr val="556F75"/>
                 </a:solidFill>
               </a:rPr>
-              <a:t> My suggestion and </a:t>
-            </a:r>
-            <a:r>
-              <a:rPr lang="en-US" altLang="ko-KR" sz="1400" b="1" dirty="0" smtClean="0">
-                <a:solidFill>
-                  <a:srgbClr val="556F75"/>
-                </a:solidFill>
-              </a:rPr>
-              <a:t>Result , Analysis</a:t>
+              <a:t> My suggestion and Result , Analysis</a:t>
             </a:r>
           </a:p>
           <a:p>
@@ -25605,15 +25777,7 @@
                   <a:srgbClr val="556F75"/>
                 </a:solidFill>
               </a:rPr>
-              <a:t> </a:t>
-            </a:r>
-            <a:r>
-              <a:rPr lang="en-US" altLang="ko-KR" sz="1400" b="1" dirty="0" smtClean="0">
-                <a:solidFill>
-                  <a:srgbClr val="556F75"/>
-                </a:solidFill>
-              </a:rPr>
-              <a:t>Additional Usage</a:t>
+              <a:t> Additional Usage</a:t>
             </a:r>
           </a:p>
           <a:p>
@@ -25780,7 +25944,7 @@
           <p:cNvPr id="10" name="그림 9">
             <a:extLst>
               <a:ext uri="{FF2B5EF4-FFF2-40B4-BE49-F238E27FC236}">
-                <a16:creationId xmlns="" xmlns:a16="http://schemas.microsoft.com/office/drawing/2014/main" id="{A9C90B28-BE75-4AB6-B534-7442C4B24ED6}"/>
+                <a16:creationId xmlns:a16="http://schemas.microsoft.com/office/drawing/2014/main" xmlns="" id="{A9C90B28-BE75-4AB6-B534-7442C4B24ED6}"/>
               </a:ext>
             </a:extLst>
           </p:cNvPr>
@@ -25854,7 +26018,7 @@
           <p:cNvPr id="2" name="그룹 1">
             <a:extLst>
               <a:ext uri="{FF2B5EF4-FFF2-40B4-BE49-F238E27FC236}">
-                <a16:creationId xmlns="" xmlns:a16="http://schemas.microsoft.com/office/drawing/2014/main" id="{D38FE608-8D17-49BB-972B-A46D5CF18168}"/>
+                <a16:creationId xmlns:a16="http://schemas.microsoft.com/office/drawing/2014/main" xmlns="" id="{D38FE608-8D17-49BB-972B-A46D5CF18168}"/>
               </a:ext>
             </a:extLst>
           </p:cNvPr>
@@ -26516,7 +26680,7 @@
           <p:cNvPr id="32" name="그림 31">
             <a:extLst>
               <a:ext uri="{FF2B5EF4-FFF2-40B4-BE49-F238E27FC236}">
-                <a16:creationId xmlns="" xmlns:a16="http://schemas.microsoft.com/office/drawing/2014/main" id="{A9C90B28-BE75-4AB6-B534-7442C4B24ED6}"/>
+                <a16:creationId xmlns:a16="http://schemas.microsoft.com/office/drawing/2014/main" xmlns="" id="{A9C90B28-BE75-4AB6-B534-7442C4B24ED6}"/>
               </a:ext>
             </a:extLst>
           </p:cNvPr>
@@ -28853,7 +29017,7 @@
           <p:cNvPr id="2" name="그룹 1">
             <a:extLst>
               <a:ext uri="{FF2B5EF4-FFF2-40B4-BE49-F238E27FC236}">
-                <a16:creationId xmlns="" xmlns:a16="http://schemas.microsoft.com/office/drawing/2014/main" id="{D38FE608-8D17-49BB-972B-A46D5CF18168}"/>
+                <a16:creationId xmlns:a16="http://schemas.microsoft.com/office/drawing/2014/main" xmlns="" id="{D38FE608-8D17-49BB-972B-A46D5CF18168}"/>
               </a:ext>
             </a:extLst>
           </p:cNvPr>
@@ -29515,7 +29679,7 @@
           <p:cNvPr id="32" name="그림 31">
             <a:extLst>
               <a:ext uri="{FF2B5EF4-FFF2-40B4-BE49-F238E27FC236}">
-                <a16:creationId xmlns="" xmlns:a16="http://schemas.microsoft.com/office/drawing/2014/main" id="{A9C90B28-BE75-4AB6-B534-7442C4B24ED6}"/>
+                <a16:creationId xmlns:a16="http://schemas.microsoft.com/office/drawing/2014/main" xmlns="" id="{A9C90B28-BE75-4AB6-B534-7442C4B24ED6}"/>
               </a:ext>
             </a:extLst>
           </p:cNvPr>
@@ -29523,7 +29687,7 @@
           <p:nvPr/>
         </p:nvPicPr>
         <p:blipFill rotWithShape="1">
-          <a:blip r:embed="rId2">
+          <a:blip r:embed="rId3">
             <a:lum/>
           </a:blip>
           <a:srcRect/>
@@ -29915,7 +30079,7 @@
           <p:nvPr/>
         </p:nvPicPr>
         <p:blipFill>
-          <a:blip r:embed="rId3" cstate="print">
+          <a:blip r:embed="rId4" cstate="print">
             <a:extLst>
               <a:ext uri="{28A0092B-C50C-407E-A947-70E740481C1C}">
                 <a14:useLocalDpi xmlns:a14="http://schemas.microsoft.com/office/drawing/2010/main" val="0"/>
@@ -29956,7 +30120,7 @@
           <p:nvPr/>
         </p:nvPicPr>
         <p:blipFill>
-          <a:blip r:embed="rId4" cstate="print">
+          <a:blip r:embed="rId5" cstate="print">
             <a:extLst>
               <a:ext uri="{28A0092B-C50C-407E-A947-70E740481C1C}">
                 <a14:useLocalDpi xmlns:a14="http://schemas.microsoft.com/office/drawing/2010/main" val="0"/>
@@ -30446,7 +30610,7 @@
           <p:nvPr/>
         </p:nvPicPr>
         <p:blipFill>
-          <a:blip r:embed="rId5" cstate="print">
+          <a:blip r:embed="rId6" cstate="print">
             <a:extLst>
               <a:ext uri="{28A0092B-C50C-407E-A947-70E740481C1C}">
                 <a14:useLocalDpi xmlns:a14="http://schemas.microsoft.com/office/drawing/2010/main" val="0"/>
@@ -30487,7 +30651,7 @@
           <p:nvPr/>
         </p:nvPicPr>
         <p:blipFill>
-          <a:blip r:embed="rId6" cstate="print">
+          <a:blip r:embed="rId7" cstate="print">
             <a:extLst>
               <a:ext uri="{28A0092B-C50C-407E-A947-70E740481C1C}">
                 <a14:useLocalDpi xmlns:a14="http://schemas.microsoft.com/office/drawing/2010/main" val="0"/>
@@ -30899,11 +31063,51 @@
                   <a:schemeClr val="tx1"/>
                 </a:solidFill>
               </a:rPr>
-              <a:t>Linear1, 2,..,N = Not sharing</a:t>
-            </a:r>
-            <a:endParaRPr lang="ko-KR" altLang="en-US" dirty="0">
+              <a:t>Linear1</a:t>
+            </a:r>
+            <a:r>
+              <a:rPr lang="en-US" altLang="ko-KR" dirty="0" smtClean="0">
+                <a:solidFill>
+                  <a:schemeClr val="tx1"/>
+                </a:solidFill>
+              </a:rPr>
+              <a:t>,..,</a:t>
+            </a:r>
+            <a:r>
+              <a:rPr lang="en-US" altLang="ko-KR" dirty="0" smtClean="0">
+                <a:solidFill>
+                  <a:schemeClr val="tx1"/>
+                </a:solidFill>
+              </a:rPr>
+              <a:t>N </a:t>
+            </a:r>
+            <a:r>
+              <a:rPr lang="en-US" altLang="ko-KR" dirty="0" smtClean="0">
+                <a:solidFill>
+                  <a:schemeClr val="tx1"/>
+                </a:solidFill>
+              </a:rPr>
+              <a:t>= </a:t>
+            </a:r>
+            <a:r>
+              <a:rPr lang="en-US" altLang="ko-KR" b="1" dirty="0" smtClean="0">
+                <a:solidFill>
+                  <a:srgbClr val="FFFF00"/>
+                </a:solidFill>
+              </a:rPr>
+              <a:t>Not </a:t>
+            </a:r>
+            <a:r>
+              <a:rPr lang="en-US" altLang="ko-KR" b="1" dirty="0" smtClean="0">
+                <a:solidFill>
+                  <a:srgbClr val="FFFF00"/>
+                </a:solidFill>
+              </a:rPr>
+              <a:t>sharing</a:t>
+            </a:r>
+            <a:endParaRPr lang="ko-KR" altLang="en-US" b="1" dirty="0">
               <a:solidFill>
-                <a:schemeClr val="tx1"/>
+                <a:srgbClr val="FFFF00"/>
               </a:solidFill>
             </a:endParaRPr>
           </a:p>
@@ -30918,7 +31122,7 @@
           <p:nvPr/>
         </p:nvPicPr>
         <p:blipFill>
-          <a:blip r:embed="rId7" cstate="print">
+          <a:blip r:embed="rId8" cstate="print">
             <a:extLst>
               <a:ext uri="{28A0092B-C50C-407E-A947-70E740481C1C}">
                 <a14:useLocalDpi xmlns:a14="http://schemas.microsoft.com/office/drawing/2010/main" val="0"/>
@@ -31545,7 +31749,7 @@
           <p:cNvPr id="2" name="그룹 1">
             <a:extLst>
               <a:ext uri="{FF2B5EF4-FFF2-40B4-BE49-F238E27FC236}">
-                <a16:creationId xmlns="" xmlns:a16="http://schemas.microsoft.com/office/drawing/2014/main" id="{D38FE608-8D17-49BB-972B-A46D5CF18168}"/>
+                <a16:creationId xmlns:a16="http://schemas.microsoft.com/office/drawing/2014/main" xmlns="" id="{D38FE608-8D17-49BB-972B-A46D5CF18168}"/>
               </a:ext>
             </a:extLst>
           </p:cNvPr>
@@ -32685,7 +32889,7 @@
           <p:cNvPr id="22" name="그림 21">
             <a:extLst>
               <a:ext uri="{FF2B5EF4-FFF2-40B4-BE49-F238E27FC236}">
-                <a16:creationId xmlns="" xmlns:a16="http://schemas.microsoft.com/office/drawing/2014/main" id="{A9C90B28-BE75-4AB6-B534-7442C4B24ED6}"/>
+                <a16:creationId xmlns:a16="http://schemas.microsoft.com/office/drawing/2014/main" xmlns="" id="{A9C90B28-BE75-4AB6-B534-7442C4B24ED6}"/>
               </a:ext>
             </a:extLst>
           </p:cNvPr>
@@ -32964,7 +33168,7 @@
           <p:cNvPr id="2" name="그룹 1">
             <a:extLst>
               <a:ext uri="{FF2B5EF4-FFF2-40B4-BE49-F238E27FC236}">
-                <a16:creationId xmlns="" xmlns:a16="http://schemas.microsoft.com/office/drawing/2014/main" id="{D38FE608-8D17-49BB-972B-A46D5CF18168}"/>
+                <a16:creationId xmlns:a16="http://schemas.microsoft.com/office/drawing/2014/main" xmlns="" id="{D38FE608-8D17-49BB-972B-A46D5CF18168}"/>
               </a:ext>
             </a:extLst>
           </p:cNvPr>
@@ -33816,7 +34020,7 @@
           <p:cNvPr id="20" name="그림 19">
             <a:extLst>
               <a:ext uri="{FF2B5EF4-FFF2-40B4-BE49-F238E27FC236}">
-                <a16:creationId xmlns="" xmlns:a16="http://schemas.microsoft.com/office/drawing/2014/main" id="{A9C90B28-BE75-4AB6-B534-7442C4B24ED6}"/>
+                <a16:creationId xmlns:a16="http://schemas.microsoft.com/office/drawing/2014/main" xmlns="" id="{A9C90B28-BE75-4AB6-B534-7442C4B24ED6}"/>
               </a:ext>
             </a:extLst>
           </p:cNvPr>
@@ -34061,7 +34265,7 @@
           <p:cNvPr id="2" name="그룹 1">
             <a:extLst>
               <a:ext uri="{FF2B5EF4-FFF2-40B4-BE49-F238E27FC236}">
-                <a16:creationId xmlns="" xmlns:a16="http://schemas.microsoft.com/office/drawing/2014/main" id="{D38FE608-8D17-49BB-972B-A46D5CF18168}"/>
+                <a16:creationId xmlns:a16="http://schemas.microsoft.com/office/drawing/2014/main" xmlns="" id="{D38FE608-8D17-49BB-972B-A46D5CF18168}"/>
               </a:ext>
             </a:extLst>
           </p:cNvPr>
@@ -34784,7 +34988,7 @@
           <p:cNvPr id="20" name="그림 19">
             <a:extLst>
               <a:ext uri="{FF2B5EF4-FFF2-40B4-BE49-F238E27FC236}">
-                <a16:creationId xmlns="" xmlns:a16="http://schemas.microsoft.com/office/drawing/2014/main" id="{A9C90B28-BE75-4AB6-B534-7442C4B24ED6}"/>
+                <a16:creationId xmlns:a16="http://schemas.microsoft.com/office/drawing/2014/main" xmlns="" id="{A9C90B28-BE75-4AB6-B534-7442C4B24ED6}"/>
               </a:ext>
             </a:extLst>
           </p:cNvPr>
@@ -34858,7 +35062,7 @@
           <p:cNvPr id="2" name="그룹 1">
             <a:extLst>
               <a:ext uri="{FF2B5EF4-FFF2-40B4-BE49-F238E27FC236}">
-                <a16:creationId xmlns="" xmlns:a16="http://schemas.microsoft.com/office/drawing/2014/main" id="{D38FE608-8D17-49BB-972B-A46D5CF18168}"/>
+                <a16:creationId xmlns:a16="http://schemas.microsoft.com/office/drawing/2014/main" xmlns="" id="{D38FE608-8D17-49BB-972B-A46D5CF18168}"/>
               </a:ext>
             </a:extLst>
           </p:cNvPr>
@@ -35524,7 +35728,7 @@
         <p:spPr>
           <a:xfrm>
             <a:off x="357112" y="4026998"/>
-            <a:ext cx="7994689" cy="2308324"/>
+            <a:ext cx="7994689" cy="2585323"/>
           </a:xfrm>
           <a:prstGeom prst="rect">
             <a:avLst/>
@@ -35566,12 +35770,16 @@
           </a:p>
           <a:p>
             <a:r>
+              <a:rPr lang="en-US" altLang="ko-KR" b="1" dirty="0" smtClean="0"/>
+              <a:t>Batch size = </a:t>
+            </a:r>
+            <a:r>
               <a:rPr lang="en-US" altLang="ko-KR" b="1" dirty="0" smtClean="0">
                 <a:solidFill>
                   <a:schemeClr val="tx2"/>
                 </a:solidFill>
               </a:rPr>
-              <a:t>Batch size = 68</a:t>
+              <a:t>68</a:t>
             </a:r>
             <a:endParaRPr lang="en-US" altLang="ko-KR" b="1" dirty="0">
               <a:solidFill>
@@ -35634,8 +35842,23 @@
                   <a:srgbClr val="FF0000"/>
                 </a:solidFill>
               </a:rPr>
-              <a:t>LSTM Cell = 1000</a:t>
-            </a:r>
+              <a:t>LSTM Cell = </a:t>
+            </a:r>
+            <a:r>
+              <a:rPr lang="en-US" altLang="ko-KR" b="1" dirty="0" smtClean="0">
+                <a:solidFill>
+                  <a:srgbClr val="FF0000"/>
+                </a:solidFill>
+              </a:rPr>
+              <a:t>1000</a:t>
+            </a:r>
+          </a:p>
+          <a:p>
+            <a:endParaRPr lang="en-US" altLang="ko-KR" b="1" dirty="0" smtClean="0">
+              <a:solidFill>
+                <a:srgbClr val="FF0000"/>
+              </a:solidFill>
+            </a:endParaRPr>
           </a:p>
           <a:p>
             <a:r>
@@ -35676,7 +35899,11 @@
           <a:prstGeom prst="rect">
             <a:avLst/>
           </a:prstGeom>
-          <a:noFill/>
+          <a:solidFill>
+            <a:schemeClr val="bg1">
+              <a:lumMod val="95000"/>
+            </a:schemeClr>
+          </a:solidFill>
         </p:spPr>
         <p:txBody>
           <a:bodyPr wrap="none" rtlCol="0">
@@ -35710,7 +35937,11 @@
           <a:prstGeom prst="rect">
             <a:avLst/>
           </a:prstGeom>
-          <a:noFill/>
+          <a:solidFill>
+            <a:schemeClr val="bg1">
+              <a:lumMod val="95000"/>
+            </a:schemeClr>
+          </a:solidFill>
         </p:spPr>
         <p:txBody>
           <a:bodyPr wrap="none" rtlCol="0">
@@ -35735,7 +35966,7 @@
         <p:spPr>
           <a:xfrm>
             <a:off x="451638" y="1698481"/>
-            <a:ext cx="1662828" cy="369332"/>
+            <a:ext cx="8113760" cy="646331"/>
           </a:xfrm>
           <a:prstGeom prst="rect">
             <a:avLst/>
@@ -35750,7 +35981,70 @@
           <a:p>
             <a:r>
               <a:rPr lang="en-US" altLang="ko-KR" b="1" dirty="0" smtClean="0"/>
-              <a:t>Training Data</a:t>
+              <a:t>Training </a:t>
+            </a:r>
+            <a:r>
+              <a:rPr lang="en-US" altLang="ko-KR" b="1" dirty="0" smtClean="0"/>
+              <a:t>Data :  </a:t>
+            </a:r>
+            <a:r>
+              <a:rPr lang="en-US" altLang="ko-KR" dirty="0"/>
+              <a:t>The training motion data </a:t>
+            </a:r>
+            <a:r>
+              <a:rPr lang="en-US" altLang="ko-KR" b="1" dirty="0">
+                <a:solidFill>
+                  <a:srgbClr val="FF0000"/>
+                </a:solidFill>
+              </a:rPr>
+              <a:t>(816) </a:t>
+            </a:r>
+            <a:r>
+              <a:rPr lang="en-US" altLang="ko-KR" dirty="0"/>
+              <a:t>for </a:t>
+            </a:r>
+            <a:r>
+              <a:rPr lang="en-US" altLang="ko-KR" b="1" dirty="0">
+                <a:solidFill>
+                  <a:schemeClr val="tx2"/>
+                </a:solidFill>
+              </a:rPr>
+              <a:t>8 men </a:t>
+            </a:r>
+            <a:r>
+              <a:rPr lang="en-US" altLang="ko-KR" dirty="0"/>
+              <a:t>and </a:t>
+            </a:r>
+            <a:r>
+              <a:rPr lang="en-US" altLang="ko-KR" b="1" dirty="0">
+                <a:solidFill>
+                  <a:schemeClr val="accent6"/>
+                </a:solidFill>
+              </a:rPr>
+              <a:t>4 women</a:t>
+            </a:r>
+            <a:r>
+              <a:rPr lang="en-US" altLang="ko-KR" dirty="0"/>
+              <a:t>, </a:t>
+            </a:r>
+            <a:endParaRPr lang="en-US" altLang="ko-KR" dirty="0" smtClean="0"/>
+          </a:p>
+          <a:p>
+            <a:r>
+              <a:rPr lang="en-US" altLang="ko-KR" dirty="0"/>
+              <a:t>	</a:t>
+            </a:r>
+            <a:r>
+              <a:rPr lang="en-US" altLang="ko-KR" dirty="0" smtClean="0"/>
+              <a:t>	</a:t>
+            </a:r>
+            <a:r>
+              <a:rPr lang="en-US" altLang="ko-KR" b="1" dirty="0" smtClean="0"/>
+              <a:t>68 </a:t>
+            </a:r>
+            <a:r>
+              <a:rPr lang="en-US" altLang="ko-KR" b="1" dirty="0"/>
+              <a:t>motion data per person.</a:t>
             </a:r>
             <a:endParaRPr lang="ko-KR" altLang="en-US" b="1" dirty="0"/>
           </a:p>
@@ -35765,7 +36059,7 @@
         <p:spPr>
           <a:xfrm>
             <a:off x="451638" y="2499861"/>
-            <a:ext cx="1210268" cy="369332"/>
+            <a:ext cx="7135351" cy="646331"/>
           </a:xfrm>
           <a:prstGeom prst="rect">
             <a:avLst/>
@@ -35780,7 +36074,86 @@
           <a:p>
             <a:r>
               <a:rPr lang="en-US" altLang="ko-KR" b="1" dirty="0" smtClean="0"/>
-              <a:t>Test Data</a:t>
+              <a:t>Test </a:t>
+            </a:r>
+            <a:r>
+              <a:rPr lang="en-US" altLang="ko-KR" b="1" dirty="0" smtClean="0"/>
+              <a:t>Data : </a:t>
+            </a:r>
+            <a:r>
+              <a:rPr lang="en-US" altLang="ko-KR" dirty="0"/>
+              <a:t>The Test motion data </a:t>
+            </a:r>
+            <a:r>
+              <a:rPr lang="en-US" altLang="ko-KR" b="1" dirty="0">
+                <a:solidFill>
+                  <a:srgbClr val="FF0000"/>
+                </a:solidFill>
+              </a:rPr>
+              <a:t>(204) </a:t>
+            </a:r>
+            <a:r>
+              <a:rPr lang="en-US" altLang="ko-KR" dirty="0"/>
+              <a:t>for </a:t>
+            </a:r>
+            <a:r>
+              <a:rPr lang="en-US" altLang="ko-KR" b="1" dirty="0" smtClean="0">
+                <a:solidFill>
+                  <a:schemeClr val="tx2"/>
+                </a:solidFill>
+              </a:rPr>
+              <a:t>2 </a:t>
+            </a:r>
+            <a:r>
+              <a:rPr lang="en-US" altLang="ko-KR" b="1" dirty="0">
+                <a:solidFill>
+                  <a:schemeClr val="tx2"/>
+                </a:solidFill>
+              </a:rPr>
+              <a:t>men </a:t>
+            </a:r>
+            <a:r>
+              <a:rPr lang="en-US" altLang="ko-KR" dirty="0"/>
+              <a:t>and </a:t>
+            </a:r>
+            <a:r>
+              <a:rPr lang="en-US" altLang="ko-KR" b="1" dirty="0" smtClean="0">
+                <a:solidFill>
+                  <a:schemeClr val="accent6"/>
+                </a:solidFill>
+              </a:rPr>
+              <a:t>1 </a:t>
+            </a:r>
+            <a:r>
+              <a:rPr lang="en-US" altLang="ko-KR" b="1" dirty="0">
+                <a:solidFill>
+                  <a:schemeClr val="accent6"/>
+                </a:solidFill>
+              </a:rPr>
+              <a:t>women</a:t>
+            </a:r>
+            <a:r>
+              <a:rPr lang="en-US" altLang="ko-KR" dirty="0"/>
+              <a:t>, </a:t>
+            </a:r>
+            <a:endParaRPr lang="en-US" altLang="ko-KR" dirty="0" smtClean="0"/>
+          </a:p>
+          <a:p>
+            <a:r>
+              <a:rPr lang="en-US" altLang="ko-KR" dirty="0"/>
+              <a:t>	</a:t>
+            </a:r>
+            <a:r>
+              <a:rPr lang="en-US" altLang="ko-KR" dirty="0" smtClean="0"/>
+              <a:t>	</a:t>
+            </a:r>
+            <a:r>
+              <a:rPr lang="en-US" altLang="ko-KR" b="1" dirty="0" smtClean="0"/>
+              <a:t>68 </a:t>
+            </a:r>
+            <a:r>
+              <a:rPr lang="en-US" altLang="ko-KR" b="1" dirty="0"/>
+              <a:t>motion data per person.</a:t>
             </a:r>
             <a:endParaRPr lang="ko-KR" altLang="en-US" b="1" dirty="0"/>
           </a:p>
@@ -35819,7 +36192,7 @@
           <p:cNvPr id="24" name="그림 23">
             <a:extLst>
               <a:ext uri="{FF2B5EF4-FFF2-40B4-BE49-F238E27FC236}">
-                <a16:creationId xmlns="" xmlns:a16="http://schemas.microsoft.com/office/drawing/2014/main" id="{A9C90B28-BE75-4AB6-B534-7442C4B24ED6}"/>
+                <a16:creationId xmlns:a16="http://schemas.microsoft.com/office/drawing/2014/main" xmlns="" id="{A9C90B28-BE75-4AB6-B534-7442C4B24ED6}"/>
               </a:ext>
             </a:extLst>
           </p:cNvPr>
@@ -35893,7 +36266,7 @@
           <p:cNvPr id="2" name="그룹 1">
             <a:extLst>
               <a:ext uri="{FF2B5EF4-FFF2-40B4-BE49-F238E27FC236}">
-                <a16:creationId xmlns="" xmlns:a16="http://schemas.microsoft.com/office/drawing/2014/main" id="{D38FE608-8D17-49BB-972B-A46D5CF18168}"/>
+                <a16:creationId xmlns:a16="http://schemas.microsoft.com/office/drawing/2014/main" xmlns="" id="{D38FE608-8D17-49BB-972B-A46D5CF18168}"/>
               </a:ext>
             </a:extLst>
           </p:cNvPr>
@@ -36615,7 +36988,7 @@
           <p:cNvPr id="2" name="그룹 1">
             <a:extLst>
               <a:ext uri="{FF2B5EF4-FFF2-40B4-BE49-F238E27FC236}">
-                <a16:creationId xmlns="" xmlns:a16="http://schemas.microsoft.com/office/drawing/2014/main" id="{D38FE608-8D17-49BB-972B-A46D5CF18168}"/>
+                <a16:creationId xmlns:a16="http://schemas.microsoft.com/office/drawing/2014/main" xmlns="" id="{D38FE608-8D17-49BB-972B-A46D5CF18168}"/>
               </a:ext>
             </a:extLst>
           </p:cNvPr>
@@ -37300,7 +37673,7 @@
           <p:cNvPr id="26" name="그림 25">
             <a:extLst>
               <a:ext uri="{FF2B5EF4-FFF2-40B4-BE49-F238E27FC236}">
-                <a16:creationId xmlns="" xmlns:a16="http://schemas.microsoft.com/office/drawing/2014/main" id="{A9C90B28-BE75-4AB6-B534-7442C4B24ED6}"/>
+                <a16:creationId xmlns:a16="http://schemas.microsoft.com/office/drawing/2014/main" xmlns="" id="{A9C90B28-BE75-4AB6-B534-7442C4B24ED6}"/>
               </a:ext>
             </a:extLst>
           </p:cNvPr>
@@ -37308,7 +37681,7 @@
           <p:nvPr/>
         </p:nvPicPr>
         <p:blipFill rotWithShape="1">
-          <a:blip r:embed="rId2">
+          <a:blip r:embed="rId3">
             <a:lum/>
           </a:blip>
           <a:srcRect/>
@@ -37330,6 +37703,129 @@
             <a:prstDash val="solid"/>
             <a:round/>
           </a:ln>
+        </p:spPr>
+      </p:pic>
+      <p:pic>
+        <p:nvPicPr>
+          <p:cNvPr id="1026" name="Picture 2" descr="C:\Users\medic\Desktop\213123123123.jpg"/>
+          <p:cNvPicPr>
+            <a:picLocks noChangeAspect="1" noChangeArrowheads="1"/>
+          </p:cNvPicPr>
+          <p:nvPr/>
+        </p:nvPicPr>
+        <p:blipFill>
+          <a:blip r:embed="rId4" cstate="print">
+            <a:extLst>
+              <a:ext uri="{28A0092B-C50C-407E-A947-70E740481C1C}">
+                <a14:useLocalDpi xmlns:a14="http://schemas.microsoft.com/office/drawing/2010/main" val="0"/>
+              </a:ext>
+            </a:extLst>
+          </a:blip>
+          <a:srcRect/>
+          <a:stretch>
+            <a:fillRect/>
+          </a:stretch>
+        </p:blipFill>
+        <p:spPr bwMode="auto">
+          <a:xfrm>
+            <a:off x="1617964" y="4005064"/>
+            <a:ext cx="6070095" cy="2818919"/>
+          </a:xfrm>
+          <a:prstGeom prst="rect">
+            <a:avLst/>
+          </a:prstGeom>
+          <a:noFill/>
+          <a:extLst>
+            <a:ext uri="{909E8E84-426E-40DD-AFC4-6F175D3DCCD1}">
+              <a14:hiddenFill xmlns:a14="http://schemas.microsoft.com/office/drawing/2010/main">
+                <a:solidFill>
+                  <a:srgbClr val="FFFFFF"/>
+                </a:solidFill>
+              </a14:hiddenFill>
+            </a:ext>
+          </a:extLst>
+        </p:spPr>
+      </p:pic>
+      <p:pic>
+        <p:nvPicPr>
+          <p:cNvPr id="1029" name="Picture 5" descr="C:\Users\medic\Desktop\parkour_banner.jpg"/>
+          <p:cNvPicPr>
+            <a:picLocks noChangeAspect="1" noChangeArrowheads="1"/>
+          </p:cNvPicPr>
+          <p:nvPr/>
+        </p:nvPicPr>
+        <p:blipFill>
+          <a:blip r:embed="rId5" cstate="print">
+            <a:extLst>
+              <a:ext uri="{28A0092B-C50C-407E-A947-70E740481C1C}">
+                <a14:useLocalDpi xmlns:a14="http://schemas.microsoft.com/office/drawing/2010/main" val="0"/>
+              </a:ext>
+            </a:extLst>
+          </a:blip>
+          <a:srcRect/>
+          <a:stretch>
+            <a:fillRect/>
+          </a:stretch>
+        </p:blipFill>
+        <p:spPr bwMode="auto">
+          <a:xfrm>
+            <a:off x="1617965" y="2060848"/>
+            <a:ext cx="6070095" cy="2234605"/>
+          </a:xfrm>
+          <a:prstGeom prst="rect">
+            <a:avLst/>
+          </a:prstGeom>
+          <a:noFill/>
+          <a:extLst>
+            <a:ext uri="{909E8E84-426E-40DD-AFC4-6F175D3DCCD1}">
+              <a14:hiddenFill xmlns:a14="http://schemas.microsoft.com/office/drawing/2010/main">
+                <a:solidFill>
+                  <a:srgbClr val="FFFFFF"/>
+                </a:solidFill>
+              </a14:hiddenFill>
+            </a:ext>
+          </a:extLst>
+        </p:spPr>
+      </p:pic>
+      <p:pic>
+        <p:nvPicPr>
+          <p:cNvPr id="1032" name="Picture 8" descr="C:\Users\medic\Desktop\123123123.PNG"/>
+          <p:cNvPicPr>
+            <a:picLocks noChangeAspect="1" noChangeArrowheads="1"/>
+          </p:cNvPicPr>
+          <p:nvPr/>
+        </p:nvPicPr>
+        <p:blipFill>
+          <a:blip r:embed="rId6">
+            <a:extLst>
+              <a:ext uri="{28A0092B-C50C-407E-A947-70E740481C1C}">
+                <a14:useLocalDpi xmlns:a14="http://schemas.microsoft.com/office/drawing/2010/main" val="0"/>
+              </a:ext>
+            </a:extLst>
+          </a:blip>
+          <a:srcRect/>
+          <a:stretch>
+            <a:fillRect/>
+          </a:stretch>
+        </p:blipFill>
+        <p:spPr bwMode="auto">
+          <a:xfrm>
+            <a:off x="1617964" y="1049507"/>
+            <a:ext cx="6070096" cy="1011341"/>
+          </a:xfrm>
+          <a:prstGeom prst="rect">
+            <a:avLst/>
+          </a:prstGeom>
+          <a:noFill/>
+          <a:extLst>
+            <a:ext uri="{909E8E84-426E-40DD-AFC4-6F175D3DCCD1}">
+              <a14:hiddenFill xmlns:a14="http://schemas.microsoft.com/office/drawing/2010/main">
+                <a:solidFill>
+                  <a:srgbClr val="FFFFFF"/>
+                </a:solidFill>
+              </a14:hiddenFill>
+            </a:ext>
+          </a:extLst>
         </p:spPr>
       </p:pic>
     </p:spTree>
@@ -37439,7 +37935,7 @@
           <p:cNvPr id="9" name="그림 8">
             <a:extLst>
               <a:ext uri="{FF2B5EF4-FFF2-40B4-BE49-F238E27FC236}">
-                <a16:creationId xmlns="" xmlns:a16="http://schemas.microsoft.com/office/drawing/2014/main" id="{A9C90B28-BE75-4AB6-B534-7442C4B24ED6}"/>
+                <a16:creationId xmlns:a16="http://schemas.microsoft.com/office/drawing/2014/main" xmlns="" id="{A9C90B28-BE75-4AB6-B534-7442C4B24ED6}"/>
               </a:ext>
             </a:extLst>
           </p:cNvPr>
@@ -37513,7 +38009,7 @@
           <p:cNvPr id="2" name="그룹 1">
             <a:extLst>
               <a:ext uri="{FF2B5EF4-FFF2-40B4-BE49-F238E27FC236}">
-                <a16:creationId xmlns="" xmlns:a16="http://schemas.microsoft.com/office/drawing/2014/main" id="{D38FE608-8D17-49BB-972B-A46D5CF18168}"/>
+                <a16:creationId xmlns:a16="http://schemas.microsoft.com/office/drawing/2014/main" xmlns="" id="{D38FE608-8D17-49BB-972B-A46D5CF18168}"/>
               </a:ext>
             </a:extLst>
           </p:cNvPr>
@@ -38175,7 +38671,7 @@
           <p:cNvPr id="16" name="그림 15">
             <a:extLst>
               <a:ext uri="{FF2B5EF4-FFF2-40B4-BE49-F238E27FC236}">
-                <a16:creationId xmlns="" xmlns:a16="http://schemas.microsoft.com/office/drawing/2014/main" id="{A9C90B28-BE75-4AB6-B534-7442C4B24ED6}"/>
+                <a16:creationId xmlns:a16="http://schemas.microsoft.com/office/drawing/2014/main" xmlns="" id="{A9C90B28-BE75-4AB6-B534-7442C4B24ED6}"/>
               </a:ext>
             </a:extLst>
           </p:cNvPr>
@@ -38309,7 +38805,7 @@
           <p:cNvPr id="2" name="그룹 1">
             <a:extLst>
               <a:ext uri="{FF2B5EF4-FFF2-40B4-BE49-F238E27FC236}">
-                <a16:creationId xmlns="" xmlns:a16="http://schemas.microsoft.com/office/drawing/2014/main" id="{D38FE608-8D17-49BB-972B-A46D5CF18168}"/>
+                <a16:creationId xmlns:a16="http://schemas.microsoft.com/office/drawing/2014/main" xmlns="" id="{D38FE608-8D17-49BB-972B-A46D5CF18168}"/>
               </a:ext>
             </a:extLst>
           </p:cNvPr>
@@ -39016,7 +39512,7 @@
           <p:cNvPr id="18" name="그림 17">
             <a:extLst>
               <a:ext uri="{FF2B5EF4-FFF2-40B4-BE49-F238E27FC236}">
-                <a16:creationId xmlns="" xmlns:a16="http://schemas.microsoft.com/office/drawing/2014/main" id="{A9C90B28-BE75-4AB6-B534-7442C4B24ED6}"/>
+                <a16:creationId xmlns:a16="http://schemas.microsoft.com/office/drawing/2014/main" xmlns="" id="{A9C90B28-BE75-4AB6-B534-7442C4B24ED6}"/>
               </a:ext>
             </a:extLst>
           </p:cNvPr>
@@ -39341,7 +39837,7 @@
           <p:cNvPr id="2" name="그룹 1">
             <a:extLst>
               <a:ext uri="{FF2B5EF4-FFF2-40B4-BE49-F238E27FC236}">
-                <a16:creationId xmlns="" xmlns:a16="http://schemas.microsoft.com/office/drawing/2014/main" id="{D38FE608-8D17-49BB-972B-A46D5CF18168}"/>
+                <a16:creationId xmlns:a16="http://schemas.microsoft.com/office/drawing/2014/main" xmlns="" id="{D38FE608-8D17-49BB-972B-A46D5CF18168}"/>
               </a:ext>
             </a:extLst>
           </p:cNvPr>
@@ -40003,7 +40499,7 @@
           <p:cNvPr id="16" name="그림 15">
             <a:extLst>
               <a:ext uri="{FF2B5EF4-FFF2-40B4-BE49-F238E27FC236}">
-                <a16:creationId xmlns="" xmlns:a16="http://schemas.microsoft.com/office/drawing/2014/main" id="{A9C90B28-BE75-4AB6-B534-7442C4B24ED6}"/>
+                <a16:creationId xmlns:a16="http://schemas.microsoft.com/office/drawing/2014/main" xmlns="" id="{A9C90B28-BE75-4AB6-B534-7442C4B24ED6}"/>
               </a:ext>
             </a:extLst>
           </p:cNvPr>
@@ -40400,7 +40896,7 @@
           <p:cNvPr id="5" name="그림 4">
             <a:extLst>
               <a:ext uri="{FF2B5EF4-FFF2-40B4-BE49-F238E27FC236}">
-                <a16:creationId xmlns="" xmlns:a16="http://schemas.microsoft.com/office/drawing/2014/main" id="{45FCA530-E7FD-420F-890D-F5571F111446}"/>
+                <a16:creationId xmlns:a16="http://schemas.microsoft.com/office/drawing/2014/main" xmlns="" id="{45FCA530-E7FD-420F-890D-F5571F111446}"/>
               </a:ext>
             </a:extLst>
           </p:cNvPr>
@@ -40497,7 +40993,7 @@
           <p:cNvPr id="2" name="그룹 1">
             <a:extLst>
               <a:ext uri="{FF2B5EF4-FFF2-40B4-BE49-F238E27FC236}">
-                <a16:creationId xmlns="" xmlns:a16="http://schemas.microsoft.com/office/drawing/2014/main" id="{D38FE608-8D17-49BB-972B-A46D5CF18168}"/>
+                <a16:creationId xmlns:a16="http://schemas.microsoft.com/office/drawing/2014/main" xmlns="" id="{D38FE608-8D17-49BB-972B-A46D5CF18168}"/>
               </a:ext>
             </a:extLst>
           </p:cNvPr>
@@ -41181,7 +41677,7 @@
           <p:cNvPr id="16" name="그림 15">
             <a:extLst>
               <a:ext uri="{FF2B5EF4-FFF2-40B4-BE49-F238E27FC236}">
-                <a16:creationId xmlns="" xmlns:a16="http://schemas.microsoft.com/office/drawing/2014/main" id="{A9C90B28-BE75-4AB6-B534-7442C4B24ED6}"/>
+                <a16:creationId xmlns:a16="http://schemas.microsoft.com/office/drawing/2014/main" xmlns="" id="{A9C90B28-BE75-4AB6-B534-7442C4B24ED6}"/>
               </a:ext>
             </a:extLst>
           </p:cNvPr>
@@ -41349,7 +41845,7 @@
           <p:cNvPr id="2" name="그룹 1">
             <a:extLst>
               <a:ext uri="{FF2B5EF4-FFF2-40B4-BE49-F238E27FC236}">
-                <a16:creationId xmlns="" xmlns:a16="http://schemas.microsoft.com/office/drawing/2014/main" id="{D38FE608-8D17-49BB-972B-A46D5CF18168}"/>
+                <a16:creationId xmlns:a16="http://schemas.microsoft.com/office/drawing/2014/main" xmlns="" id="{D38FE608-8D17-49BB-972B-A46D5CF18168}"/>
               </a:ext>
             </a:extLst>
           </p:cNvPr>
@@ -42033,7 +42529,7 @@
           <p:cNvPr id="16" name="그림 15">
             <a:extLst>
               <a:ext uri="{FF2B5EF4-FFF2-40B4-BE49-F238E27FC236}">
-                <a16:creationId xmlns="" xmlns:a16="http://schemas.microsoft.com/office/drawing/2014/main" id="{A9C90B28-BE75-4AB6-B534-7442C4B24ED6}"/>
+                <a16:creationId xmlns:a16="http://schemas.microsoft.com/office/drawing/2014/main" xmlns="" id="{A9C90B28-BE75-4AB6-B534-7442C4B24ED6}"/>
               </a:ext>
             </a:extLst>
           </p:cNvPr>
@@ -42242,7 +42738,7 @@
           <p:cNvPr id="2" name="그룹 1">
             <a:extLst>
               <a:ext uri="{FF2B5EF4-FFF2-40B4-BE49-F238E27FC236}">
-                <a16:creationId xmlns="" xmlns:a16="http://schemas.microsoft.com/office/drawing/2014/main" id="{D38FE608-8D17-49BB-972B-A46D5CF18168}"/>
+                <a16:creationId xmlns:a16="http://schemas.microsoft.com/office/drawing/2014/main" xmlns="" id="{D38FE608-8D17-49BB-972B-A46D5CF18168}"/>
               </a:ext>
             </a:extLst>
           </p:cNvPr>
@@ -43093,7 +43589,7 @@
           <p:cNvPr id="20" name="그림 19">
             <a:extLst>
               <a:ext uri="{FF2B5EF4-FFF2-40B4-BE49-F238E27FC236}">
-                <a16:creationId xmlns="" xmlns:a16="http://schemas.microsoft.com/office/drawing/2014/main" id="{A9C90B28-BE75-4AB6-B534-7442C4B24ED6}"/>
+                <a16:creationId xmlns:a16="http://schemas.microsoft.com/office/drawing/2014/main" xmlns="" id="{A9C90B28-BE75-4AB6-B534-7442C4B24ED6}"/>
               </a:ext>
             </a:extLst>
           </p:cNvPr>
@@ -43167,7 +43663,7 @@
           <p:cNvPr id="2" name="그룹 1">
             <a:extLst>
               <a:ext uri="{FF2B5EF4-FFF2-40B4-BE49-F238E27FC236}">
-                <a16:creationId xmlns="" xmlns:a16="http://schemas.microsoft.com/office/drawing/2014/main" id="{D38FE608-8D17-49BB-972B-A46D5CF18168}"/>
+                <a16:creationId xmlns:a16="http://schemas.microsoft.com/office/drawing/2014/main" xmlns="" id="{D38FE608-8D17-49BB-972B-A46D5CF18168}"/>
               </a:ext>
             </a:extLst>
           </p:cNvPr>
@@ -43874,7 +44370,7 @@
           <p:cNvPr id="21" name="그림 20">
             <a:extLst>
               <a:ext uri="{FF2B5EF4-FFF2-40B4-BE49-F238E27FC236}">
-                <a16:creationId xmlns="" xmlns:a16="http://schemas.microsoft.com/office/drawing/2014/main" id="{A9C90B28-BE75-4AB6-B534-7442C4B24ED6}"/>
+                <a16:creationId xmlns:a16="http://schemas.microsoft.com/office/drawing/2014/main" xmlns="" id="{A9C90B28-BE75-4AB6-B534-7442C4B24ED6}"/>
               </a:ext>
             </a:extLst>
           </p:cNvPr>
@@ -44060,7 +44556,7 @@
           <p:cNvPr id="2" name="그룹 1">
             <a:extLst>
               <a:ext uri="{FF2B5EF4-FFF2-40B4-BE49-F238E27FC236}">
-                <a16:creationId xmlns="" xmlns:a16="http://schemas.microsoft.com/office/drawing/2014/main" id="{D38FE608-8D17-49BB-972B-A46D5CF18168}"/>
+                <a16:creationId xmlns:a16="http://schemas.microsoft.com/office/drawing/2014/main" xmlns="" id="{D38FE608-8D17-49BB-972B-A46D5CF18168}"/>
               </a:ext>
             </a:extLst>
           </p:cNvPr>
@@ -44767,7 +45263,7 @@
           <p:cNvPr id="21" name="그림 20">
             <a:extLst>
               <a:ext uri="{FF2B5EF4-FFF2-40B4-BE49-F238E27FC236}">
-                <a16:creationId xmlns="" xmlns:a16="http://schemas.microsoft.com/office/drawing/2014/main" id="{A9C90B28-BE75-4AB6-B534-7442C4B24ED6}"/>
+                <a16:creationId xmlns:a16="http://schemas.microsoft.com/office/drawing/2014/main" xmlns="" id="{A9C90B28-BE75-4AB6-B534-7442C4B24ED6}"/>
               </a:ext>
             </a:extLst>
           </p:cNvPr>
@@ -44953,7 +45449,7 @@
           <p:cNvPr id="2" name="그룹 1">
             <a:extLst>
               <a:ext uri="{FF2B5EF4-FFF2-40B4-BE49-F238E27FC236}">
-                <a16:creationId xmlns="" xmlns:a16="http://schemas.microsoft.com/office/drawing/2014/main" id="{D38FE608-8D17-49BB-972B-A46D5CF18168}"/>
+                <a16:creationId xmlns:a16="http://schemas.microsoft.com/office/drawing/2014/main" xmlns="" id="{D38FE608-8D17-49BB-972B-A46D5CF18168}"/>
               </a:ext>
             </a:extLst>
           </p:cNvPr>
@@ -45660,7 +46156,7 @@
           <p:cNvPr id="15" name="그림 14">
             <a:extLst>
               <a:ext uri="{FF2B5EF4-FFF2-40B4-BE49-F238E27FC236}">
-                <a16:creationId xmlns="" xmlns:a16="http://schemas.microsoft.com/office/drawing/2014/main" id="{A9C90B28-BE75-4AB6-B534-7442C4B24ED6}"/>
+                <a16:creationId xmlns:a16="http://schemas.microsoft.com/office/drawing/2014/main" xmlns="" id="{A9C90B28-BE75-4AB6-B534-7442C4B24ED6}"/>
               </a:ext>
             </a:extLst>
           </p:cNvPr>

--- a/DeepHumanPrediction/Code/Master_Thesis/Presentation.pptx
+++ b/DeepHumanPrediction/Code/Master_Thesis/Presentation.pptx
@@ -181,7 +181,7 @@
       </p14:sectionLst>
     </p:ext>
     <p:ext uri="{EFAFB233-063F-42B5-8137-9DF3F51BA10A}">
-      <p15:sldGuideLst xmlns:p15="http://schemas.microsoft.com/office/powerpoint/2012/main" xmlns="">
+      <p15:sldGuideLst xmlns="" xmlns:p15="http://schemas.microsoft.com/office/powerpoint/2012/main">
         <p15:guide id="1" orient="horz" pos="2160" userDrawn="1">
           <p15:clr>
             <a:srgbClr val="A4A3A4"/>
@@ -6380,18 +6380,7 @@
                 </a:solidFill>
                 <a:sym typeface="Wingdings"/>
               </a:rPr>
-              <a:t>Analysis </a:t>
-            </a:r>
-            <a:r>
-              <a:rPr lang="en-US" altLang="ko-KR" sz="3600" b="1" spc="5" smtClean="0">
-                <a:solidFill>
-                  <a:srgbClr val="808080">
-                    <a:alpha val="100000"/>
-                  </a:srgbClr>
-                </a:solidFill>
-                <a:sym typeface="Wingdings"/>
-              </a:rPr>
-              <a:t>Using</a:t>
+              <a:t>Analysis Using</a:t>
             </a:r>
             <a:endParaRPr lang="ko-KR" altLang="en-US" sz="3600" b="1" spc="5" dirty="0">
               <a:solidFill>
@@ -6624,7 +6613,7 @@
           <p:cNvPr id="7" name="그림 6">
             <a:extLst>
               <a:ext uri="{FF2B5EF4-FFF2-40B4-BE49-F238E27FC236}">
-                <a16:creationId xmlns:a16="http://schemas.microsoft.com/office/drawing/2014/main" xmlns="" id="{A9C90B28-BE75-4AB6-B534-7442C4B24ED6}"/>
+                <a16:creationId xmlns="" xmlns:a16="http://schemas.microsoft.com/office/drawing/2014/main" id="{A9C90B28-BE75-4AB6-B534-7442C4B24ED6}"/>
               </a:ext>
             </a:extLst>
           </p:cNvPr>
@@ -6698,7 +6687,7 @@
           <p:cNvPr id="2" name="그룹 1">
             <a:extLst>
               <a:ext uri="{FF2B5EF4-FFF2-40B4-BE49-F238E27FC236}">
-                <a16:creationId xmlns:a16="http://schemas.microsoft.com/office/drawing/2014/main" xmlns="" id="{D38FE608-8D17-49BB-972B-A46D5CF18168}"/>
+                <a16:creationId xmlns="" xmlns:a16="http://schemas.microsoft.com/office/drawing/2014/main" id="{D38FE608-8D17-49BB-972B-A46D5CF18168}"/>
               </a:ext>
             </a:extLst>
           </p:cNvPr>
@@ -7405,7 +7394,7 @@
           <p:cNvPr id="15" name="그림 14">
             <a:extLst>
               <a:ext uri="{FF2B5EF4-FFF2-40B4-BE49-F238E27FC236}">
-                <a16:creationId xmlns:a16="http://schemas.microsoft.com/office/drawing/2014/main" xmlns="" id="{A9C90B28-BE75-4AB6-B534-7442C4B24ED6}"/>
+                <a16:creationId xmlns="" xmlns:a16="http://schemas.microsoft.com/office/drawing/2014/main" id="{A9C90B28-BE75-4AB6-B534-7442C4B24ED6}"/>
               </a:ext>
             </a:extLst>
           </p:cNvPr>
@@ -8069,7 +8058,7 @@
           <p:cNvPr id="2" name="그룹 1">
             <a:extLst>
               <a:ext uri="{FF2B5EF4-FFF2-40B4-BE49-F238E27FC236}">
-                <a16:creationId xmlns:a16="http://schemas.microsoft.com/office/drawing/2014/main" xmlns="" id="{D38FE608-8D17-49BB-972B-A46D5CF18168}"/>
+                <a16:creationId xmlns="" xmlns:a16="http://schemas.microsoft.com/office/drawing/2014/main" id="{D38FE608-8D17-49BB-972B-A46D5CF18168}"/>
               </a:ext>
             </a:extLst>
           </p:cNvPr>
@@ -8841,7 +8830,7 @@
           <p:cNvPr id="9" name="그림 8">
             <a:extLst>
               <a:ext uri="{FF2B5EF4-FFF2-40B4-BE49-F238E27FC236}">
-                <a16:creationId xmlns:a16="http://schemas.microsoft.com/office/drawing/2014/main" xmlns="" id="{A9C90B28-BE75-4AB6-B534-7442C4B24ED6}"/>
+                <a16:creationId xmlns="" xmlns:a16="http://schemas.microsoft.com/office/drawing/2014/main" id="{A9C90B28-BE75-4AB6-B534-7442C4B24ED6}"/>
               </a:ext>
             </a:extLst>
           </p:cNvPr>
@@ -10055,7 +10044,7 @@
           <p:cNvPr id="2" name="그룹 1">
             <a:extLst>
               <a:ext uri="{FF2B5EF4-FFF2-40B4-BE49-F238E27FC236}">
-                <a16:creationId xmlns:a16="http://schemas.microsoft.com/office/drawing/2014/main" xmlns="" id="{D38FE608-8D17-49BB-972B-A46D5CF18168}"/>
+                <a16:creationId xmlns="" xmlns:a16="http://schemas.microsoft.com/office/drawing/2014/main" id="{D38FE608-8D17-49BB-972B-A46D5CF18168}"/>
               </a:ext>
             </a:extLst>
           </p:cNvPr>
@@ -10835,7 +10824,7 @@
           <p:cNvPr id="9" name="그림 8">
             <a:extLst>
               <a:ext uri="{FF2B5EF4-FFF2-40B4-BE49-F238E27FC236}">
-                <a16:creationId xmlns:a16="http://schemas.microsoft.com/office/drawing/2014/main" xmlns="" id="{A9C90B28-BE75-4AB6-B534-7442C4B24ED6}"/>
+                <a16:creationId xmlns="" xmlns:a16="http://schemas.microsoft.com/office/drawing/2014/main" id="{A9C90B28-BE75-4AB6-B534-7442C4B24ED6}"/>
               </a:ext>
             </a:extLst>
           </p:cNvPr>
@@ -12009,7 +11998,7 @@
           <p:cNvPr id="2" name="그룹 1">
             <a:extLst>
               <a:ext uri="{FF2B5EF4-FFF2-40B4-BE49-F238E27FC236}">
-                <a16:creationId xmlns:a16="http://schemas.microsoft.com/office/drawing/2014/main" xmlns="" id="{D38FE608-8D17-49BB-972B-A46D5CF18168}"/>
+                <a16:creationId xmlns="" xmlns:a16="http://schemas.microsoft.com/office/drawing/2014/main" id="{D38FE608-8D17-49BB-972B-A46D5CF18168}"/>
               </a:ext>
             </a:extLst>
           </p:cNvPr>
@@ -12699,7 +12688,7 @@
           <p:cNvPr id="9" name="그림 8">
             <a:extLst>
               <a:ext uri="{FF2B5EF4-FFF2-40B4-BE49-F238E27FC236}">
-                <a16:creationId xmlns:a16="http://schemas.microsoft.com/office/drawing/2014/main" xmlns="" id="{A9C90B28-BE75-4AB6-B534-7442C4B24ED6}"/>
+                <a16:creationId xmlns="" xmlns:a16="http://schemas.microsoft.com/office/drawing/2014/main" id="{A9C90B28-BE75-4AB6-B534-7442C4B24ED6}"/>
               </a:ext>
             </a:extLst>
           </p:cNvPr>
@@ -14551,7 +14540,7 @@
           <p:cNvPr id="2" name="그룹 1">
             <a:extLst>
               <a:ext uri="{FF2B5EF4-FFF2-40B4-BE49-F238E27FC236}">
-                <a16:creationId xmlns:a16="http://schemas.microsoft.com/office/drawing/2014/main" xmlns="" id="{D38FE608-8D17-49BB-972B-A46D5CF18168}"/>
+                <a16:creationId xmlns="" xmlns:a16="http://schemas.microsoft.com/office/drawing/2014/main" id="{D38FE608-8D17-49BB-972B-A46D5CF18168}"/>
               </a:ext>
             </a:extLst>
           </p:cNvPr>
@@ -15264,7 +15253,7 @@
           <p:cNvPr id="9" name="그림 8">
             <a:extLst>
               <a:ext uri="{FF2B5EF4-FFF2-40B4-BE49-F238E27FC236}">
-                <a16:creationId xmlns:a16="http://schemas.microsoft.com/office/drawing/2014/main" xmlns="" id="{A9C90B28-BE75-4AB6-B534-7442C4B24ED6}"/>
+                <a16:creationId xmlns="" xmlns:a16="http://schemas.microsoft.com/office/drawing/2014/main" id="{A9C90B28-BE75-4AB6-B534-7442C4B24ED6}"/>
               </a:ext>
             </a:extLst>
           </p:cNvPr>
@@ -16760,7 +16749,7 @@
           <p:cNvPr id="2" name="그룹 1">
             <a:extLst>
               <a:ext uri="{FF2B5EF4-FFF2-40B4-BE49-F238E27FC236}">
-                <a16:creationId xmlns:a16="http://schemas.microsoft.com/office/drawing/2014/main" xmlns="" id="{D38FE608-8D17-49BB-972B-A46D5CF18168}"/>
+                <a16:creationId xmlns="" xmlns:a16="http://schemas.microsoft.com/office/drawing/2014/main" id="{D38FE608-8D17-49BB-972B-A46D5CF18168}"/>
               </a:ext>
             </a:extLst>
           </p:cNvPr>
@@ -17484,7 +17473,7 @@
           <p:cNvPr id="9" name="그림 8">
             <a:extLst>
               <a:ext uri="{FF2B5EF4-FFF2-40B4-BE49-F238E27FC236}">
-                <a16:creationId xmlns:a16="http://schemas.microsoft.com/office/drawing/2014/main" xmlns="" id="{A9C90B28-BE75-4AB6-B534-7442C4B24ED6}"/>
+                <a16:creationId xmlns="" xmlns:a16="http://schemas.microsoft.com/office/drawing/2014/main" id="{A9C90B28-BE75-4AB6-B534-7442C4B24ED6}"/>
               </a:ext>
             </a:extLst>
           </p:cNvPr>
@@ -18218,7 +18207,7 @@
           <p:cNvPr id="2" name="그룹 1">
             <a:extLst>
               <a:ext uri="{FF2B5EF4-FFF2-40B4-BE49-F238E27FC236}">
-                <a16:creationId xmlns:a16="http://schemas.microsoft.com/office/drawing/2014/main" xmlns="" id="{D38FE608-8D17-49BB-972B-A46D5CF18168}"/>
+                <a16:creationId xmlns="" xmlns:a16="http://schemas.microsoft.com/office/drawing/2014/main" id="{D38FE608-8D17-49BB-972B-A46D5CF18168}"/>
               </a:ext>
             </a:extLst>
           </p:cNvPr>
@@ -18908,7 +18897,7 @@
           <p:cNvPr id="9" name="그림 8">
             <a:extLst>
               <a:ext uri="{FF2B5EF4-FFF2-40B4-BE49-F238E27FC236}">
-                <a16:creationId xmlns:a16="http://schemas.microsoft.com/office/drawing/2014/main" xmlns="" id="{A9C90B28-BE75-4AB6-B534-7442C4B24ED6}"/>
+                <a16:creationId xmlns="" xmlns:a16="http://schemas.microsoft.com/office/drawing/2014/main" id="{A9C90B28-BE75-4AB6-B534-7442C4B24ED6}"/>
               </a:ext>
             </a:extLst>
           </p:cNvPr>
@@ -19164,7 +19153,7 @@
           <p:cNvPr id="9" name="그림 8">
             <a:extLst>
               <a:ext uri="{FF2B5EF4-FFF2-40B4-BE49-F238E27FC236}">
-                <a16:creationId xmlns:a16="http://schemas.microsoft.com/office/drawing/2014/main" xmlns="" id="{A9C90B28-BE75-4AB6-B534-7442C4B24ED6}"/>
+                <a16:creationId xmlns="" xmlns:a16="http://schemas.microsoft.com/office/drawing/2014/main" id="{A9C90B28-BE75-4AB6-B534-7442C4B24ED6}"/>
               </a:ext>
             </a:extLst>
           </p:cNvPr>
@@ -20713,7 +20702,7 @@
           <p:cNvPr id="54" name="그룹 53">
             <a:extLst>
               <a:ext uri="{FF2B5EF4-FFF2-40B4-BE49-F238E27FC236}">
-                <a16:creationId xmlns:a16="http://schemas.microsoft.com/office/drawing/2014/main" xmlns="" id="{D38FE608-8D17-49BB-972B-A46D5CF18168}"/>
+                <a16:creationId xmlns="" xmlns:a16="http://schemas.microsoft.com/office/drawing/2014/main" id="{D38FE608-8D17-49BB-972B-A46D5CF18168}"/>
               </a:ext>
             </a:extLst>
           </p:cNvPr>
@@ -21547,7 +21536,7 @@
           <p:cNvPr id="9" name="그림 8">
             <a:extLst>
               <a:ext uri="{FF2B5EF4-FFF2-40B4-BE49-F238E27FC236}">
-                <a16:creationId xmlns:a16="http://schemas.microsoft.com/office/drawing/2014/main" xmlns="" id="{A9C90B28-BE75-4AB6-B534-7442C4B24ED6}"/>
+                <a16:creationId xmlns="" xmlns:a16="http://schemas.microsoft.com/office/drawing/2014/main" id="{A9C90B28-BE75-4AB6-B534-7442C4B24ED6}"/>
               </a:ext>
             </a:extLst>
           </p:cNvPr>
@@ -22874,7 +22863,7 @@
           <p:cNvPr id="39" name="그룹 38">
             <a:extLst>
               <a:ext uri="{FF2B5EF4-FFF2-40B4-BE49-F238E27FC236}">
-                <a16:creationId xmlns:a16="http://schemas.microsoft.com/office/drawing/2014/main" xmlns="" id="{D38FE608-8D17-49BB-972B-A46D5CF18168}"/>
+                <a16:creationId xmlns="" xmlns:a16="http://schemas.microsoft.com/office/drawing/2014/main" id="{D38FE608-8D17-49BB-972B-A46D5CF18168}"/>
               </a:ext>
             </a:extLst>
           </p:cNvPr>
@@ -23722,7 +23711,7 @@
           <p:cNvPr id="9" name="그림 8">
             <a:extLst>
               <a:ext uri="{FF2B5EF4-FFF2-40B4-BE49-F238E27FC236}">
-                <a16:creationId xmlns:a16="http://schemas.microsoft.com/office/drawing/2014/main" xmlns="" id="{A9C90B28-BE75-4AB6-B534-7442C4B24ED6}"/>
+                <a16:creationId xmlns="" xmlns:a16="http://schemas.microsoft.com/office/drawing/2014/main" id="{A9C90B28-BE75-4AB6-B534-7442C4B24ED6}"/>
               </a:ext>
             </a:extLst>
           </p:cNvPr>
@@ -23759,7 +23748,7 @@
           <p:cNvPr id="39" name="그룹 38">
             <a:extLst>
               <a:ext uri="{FF2B5EF4-FFF2-40B4-BE49-F238E27FC236}">
-                <a16:creationId xmlns:a16="http://schemas.microsoft.com/office/drawing/2014/main" xmlns="" id="{D38FE608-8D17-49BB-972B-A46D5CF18168}"/>
+                <a16:creationId xmlns="" xmlns:a16="http://schemas.microsoft.com/office/drawing/2014/main" id="{D38FE608-8D17-49BB-972B-A46D5CF18168}"/>
               </a:ext>
             </a:extLst>
           </p:cNvPr>
@@ -24795,7 +24784,7 @@
           <p:cNvPr id="2" name="그룹 1">
             <a:extLst>
               <a:ext uri="{FF2B5EF4-FFF2-40B4-BE49-F238E27FC236}">
-                <a16:creationId xmlns:a16="http://schemas.microsoft.com/office/drawing/2014/main" xmlns="" id="{D38FE608-8D17-49BB-972B-A46D5CF18168}"/>
+                <a16:creationId xmlns="" xmlns:a16="http://schemas.microsoft.com/office/drawing/2014/main" id="{D38FE608-8D17-49BB-972B-A46D5CF18168}"/>
               </a:ext>
             </a:extLst>
           </p:cNvPr>
@@ -25944,7 +25933,7 @@
           <p:cNvPr id="10" name="그림 9">
             <a:extLst>
               <a:ext uri="{FF2B5EF4-FFF2-40B4-BE49-F238E27FC236}">
-                <a16:creationId xmlns:a16="http://schemas.microsoft.com/office/drawing/2014/main" xmlns="" id="{A9C90B28-BE75-4AB6-B534-7442C4B24ED6}"/>
+                <a16:creationId xmlns="" xmlns:a16="http://schemas.microsoft.com/office/drawing/2014/main" id="{A9C90B28-BE75-4AB6-B534-7442C4B24ED6}"/>
               </a:ext>
             </a:extLst>
           </p:cNvPr>
@@ -26018,7 +26007,7 @@
           <p:cNvPr id="2" name="그룹 1">
             <a:extLst>
               <a:ext uri="{FF2B5EF4-FFF2-40B4-BE49-F238E27FC236}">
-                <a16:creationId xmlns:a16="http://schemas.microsoft.com/office/drawing/2014/main" xmlns="" id="{D38FE608-8D17-49BB-972B-A46D5CF18168}"/>
+                <a16:creationId xmlns="" xmlns:a16="http://schemas.microsoft.com/office/drawing/2014/main" id="{D38FE608-8D17-49BB-972B-A46D5CF18168}"/>
               </a:ext>
             </a:extLst>
           </p:cNvPr>
@@ -26680,7 +26669,7 @@
           <p:cNvPr id="32" name="그림 31">
             <a:extLst>
               <a:ext uri="{FF2B5EF4-FFF2-40B4-BE49-F238E27FC236}">
-                <a16:creationId xmlns:a16="http://schemas.microsoft.com/office/drawing/2014/main" xmlns="" id="{A9C90B28-BE75-4AB6-B534-7442C4B24ED6}"/>
+                <a16:creationId xmlns="" xmlns:a16="http://schemas.microsoft.com/office/drawing/2014/main" id="{A9C90B28-BE75-4AB6-B534-7442C4B24ED6}"/>
               </a:ext>
             </a:extLst>
           </p:cNvPr>
@@ -29017,7 +29006,7 @@
           <p:cNvPr id="2" name="그룹 1">
             <a:extLst>
               <a:ext uri="{FF2B5EF4-FFF2-40B4-BE49-F238E27FC236}">
-                <a16:creationId xmlns:a16="http://schemas.microsoft.com/office/drawing/2014/main" xmlns="" id="{D38FE608-8D17-49BB-972B-A46D5CF18168}"/>
+                <a16:creationId xmlns="" xmlns:a16="http://schemas.microsoft.com/office/drawing/2014/main" id="{D38FE608-8D17-49BB-972B-A46D5CF18168}"/>
               </a:ext>
             </a:extLst>
           </p:cNvPr>
@@ -29679,7 +29668,7 @@
           <p:cNvPr id="32" name="그림 31">
             <a:extLst>
               <a:ext uri="{FF2B5EF4-FFF2-40B4-BE49-F238E27FC236}">
-                <a16:creationId xmlns:a16="http://schemas.microsoft.com/office/drawing/2014/main" xmlns="" id="{A9C90B28-BE75-4AB6-B534-7442C4B24ED6}"/>
+                <a16:creationId xmlns="" xmlns:a16="http://schemas.microsoft.com/office/drawing/2014/main" id="{A9C90B28-BE75-4AB6-B534-7442C4B24ED6}"/>
               </a:ext>
             </a:extLst>
           </p:cNvPr>
@@ -31063,31 +31052,7 @@
                   <a:schemeClr val="tx1"/>
                 </a:solidFill>
               </a:rPr>
-              <a:t>Linear1</a:t>
-            </a:r>
-            <a:r>
-              <a:rPr lang="en-US" altLang="ko-KR" dirty="0" smtClean="0">
-                <a:solidFill>
-                  <a:schemeClr val="tx1"/>
-                </a:solidFill>
-              </a:rPr>
-              <a:t>,..,</a:t>
-            </a:r>
-            <a:r>
-              <a:rPr lang="en-US" altLang="ko-KR" dirty="0" smtClean="0">
-                <a:solidFill>
-                  <a:schemeClr val="tx1"/>
-                </a:solidFill>
-              </a:rPr>
-              <a:t>N </a:t>
-            </a:r>
-            <a:r>
-              <a:rPr lang="en-US" altLang="ko-KR" dirty="0" smtClean="0">
-                <a:solidFill>
-                  <a:schemeClr val="tx1"/>
-                </a:solidFill>
-              </a:rPr>
-              <a:t>= </a:t>
+              <a:t>Linear1,..,N = </a:t>
             </a:r>
             <a:r>
               <a:rPr lang="en-US" altLang="ko-KR" b="1" dirty="0" smtClean="0">
@@ -31095,15 +31060,7 @@
                   <a:srgbClr val="FFFF00"/>
                 </a:solidFill>
               </a:rPr>
-              <a:t>Not </a:t>
-            </a:r>
-            <a:r>
-              <a:rPr lang="en-US" altLang="ko-KR" b="1" dirty="0" smtClean="0">
-                <a:solidFill>
-                  <a:srgbClr val="FFFF00"/>
-                </a:solidFill>
-              </a:rPr>
-              <a:t>sharing</a:t>
+              <a:t>Not sharing</a:t>
             </a:r>
             <a:endParaRPr lang="ko-KR" altLang="en-US" b="1" dirty="0">
               <a:solidFill>
@@ -31749,7 +31706,7 @@
           <p:cNvPr id="2" name="그룹 1">
             <a:extLst>
               <a:ext uri="{FF2B5EF4-FFF2-40B4-BE49-F238E27FC236}">
-                <a16:creationId xmlns:a16="http://schemas.microsoft.com/office/drawing/2014/main" xmlns="" id="{D38FE608-8D17-49BB-972B-A46D5CF18168}"/>
+                <a16:creationId xmlns="" xmlns:a16="http://schemas.microsoft.com/office/drawing/2014/main" id="{D38FE608-8D17-49BB-972B-A46D5CF18168}"/>
               </a:ext>
             </a:extLst>
           </p:cNvPr>
@@ -32889,7 +32846,7 @@
           <p:cNvPr id="22" name="그림 21">
             <a:extLst>
               <a:ext uri="{FF2B5EF4-FFF2-40B4-BE49-F238E27FC236}">
-                <a16:creationId xmlns:a16="http://schemas.microsoft.com/office/drawing/2014/main" xmlns="" id="{A9C90B28-BE75-4AB6-B534-7442C4B24ED6}"/>
+                <a16:creationId xmlns="" xmlns:a16="http://schemas.microsoft.com/office/drawing/2014/main" id="{A9C90B28-BE75-4AB6-B534-7442C4B24ED6}"/>
               </a:ext>
             </a:extLst>
           </p:cNvPr>
@@ -33168,7 +33125,7 @@
           <p:cNvPr id="2" name="그룹 1">
             <a:extLst>
               <a:ext uri="{FF2B5EF4-FFF2-40B4-BE49-F238E27FC236}">
-                <a16:creationId xmlns:a16="http://schemas.microsoft.com/office/drawing/2014/main" xmlns="" id="{D38FE608-8D17-49BB-972B-A46D5CF18168}"/>
+                <a16:creationId xmlns="" xmlns:a16="http://schemas.microsoft.com/office/drawing/2014/main" id="{D38FE608-8D17-49BB-972B-A46D5CF18168}"/>
               </a:ext>
             </a:extLst>
           </p:cNvPr>
@@ -34020,7 +33977,7 @@
           <p:cNvPr id="20" name="그림 19">
             <a:extLst>
               <a:ext uri="{FF2B5EF4-FFF2-40B4-BE49-F238E27FC236}">
-                <a16:creationId xmlns:a16="http://schemas.microsoft.com/office/drawing/2014/main" xmlns="" id="{A9C90B28-BE75-4AB6-B534-7442C4B24ED6}"/>
+                <a16:creationId xmlns="" xmlns:a16="http://schemas.microsoft.com/office/drawing/2014/main" id="{A9C90B28-BE75-4AB6-B534-7442C4B24ED6}"/>
               </a:ext>
             </a:extLst>
           </p:cNvPr>
@@ -34265,7 +34222,7 @@
           <p:cNvPr id="2" name="그룹 1">
             <a:extLst>
               <a:ext uri="{FF2B5EF4-FFF2-40B4-BE49-F238E27FC236}">
-                <a16:creationId xmlns:a16="http://schemas.microsoft.com/office/drawing/2014/main" xmlns="" id="{D38FE608-8D17-49BB-972B-A46D5CF18168}"/>
+                <a16:creationId xmlns="" xmlns:a16="http://schemas.microsoft.com/office/drawing/2014/main" id="{D38FE608-8D17-49BB-972B-A46D5CF18168}"/>
               </a:ext>
             </a:extLst>
           </p:cNvPr>
@@ -34988,7 +34945,7 @@
           <p:cNvPr id="20" name="그림 19">
             <a:extLst>
               <a:ext uri="{FF2B5EF4-FFF2-40B4-BE49-F238E27FC236}">
-                <a16:creationId xmlns:a16="http://schemas.microsoft.com/office/drawing/2014/main" xmlns="" id="{A9C90B28-BE75-4AB6-B534-7442C4B24ED6}"/>
+                <a16:creationId xmlns="" xmlns:a16="http://schemas.microsoft.com/office/drawing/2014/main" id="{A9C90B28-BE75-4AB6-B534-7442C4B24ED6}"/>
               </a:ext>
             </a:extLst>
           </p:cNvPr>
@@ -35062,7 +35019,7 @@
           <p:cNvPr id="2" name="그룹 1">
             <a:extLst>
               <a:ext uri="{FF2B5EF4-FFF2-40B4-BE49-F238E27FC236}">
-                <a16:creationId xmlns:a16="http://schemas.microsoft.com/office/drawing/2014/main" xmlns="" id="{D38FE608-8D17-49BB-972B-A46D5CF18168}"/>
+                <a16:creationId xmlns="" xmlns:a16="http://schemas.microsoft.com/office/drawing/2014/main" id="{D38FE608-8D17-49BB-972B-A46D5CF18168}"/>
               </a:ext>
             </a:extLst>
           </p:cNvPr>
@@ -35842,15 +35799,7 @@
                   <a:srgbClr val="FF0000"/>
                 </a:solidFill>
               </a:rPr>
-              <a:t>LSTM Cell = </a:t>
-            </a:r>
-            <a:r>
-              <a:rPr lang="en-US" altLang="ko-KR" b="1" dirty="0" smtClean="0">
-                <a:solidFill>
-                  <a:srgbClr val="FF0000"/>
-                </a:solidFill>
-              </a:rPr>
-              <a:t>1000</a:t>
+              <a:t>LSTM Cell = 1000</a:t>
             </a:r>
           </a:p>
           <a:p>
@@ -35981,11 +35930,7 @@
           <a:p>
             <a:r>
               <a:rPr lang="en-US" altLang="ko-KR" b="1" dirty="0" smtClean="0"/>
-              <a:t>Training </a:t>
-            </a:r>
-            <a:r>
-              <a:rPr lang="en-US" altLang="ko-KR" b="1" dirty="0" smtClean="0"/>
-              <a:t>Data :  </a:t>
+              <a:t>Training Data :  </a:t>
             </a:r>
             <a:r>
               <a:rPr lang="en-US" altLang="ko-KR" dirty="0"/>
@@ -36074,11 +36019,7 @@
           <a:p>
             <a:r>
               <a:rPr lang="en-US" altLang="ko-KR" b="1" dirty="0" smtClean="0"/>
-              <a:t>Test </a:t>
-            </a:r>
-            <a:r>
-              <a:rPr lang="en-US" altLang="ko-KR" b="1" dirty="0" smtClean="0"/>
-              <a:t>Data : </a:t>
+              <a:t>Test Data : </a:t>
             </a:r>
             <a:r>
               <a:rPr lang="en-US" altLang="ko-KR" dirty="0"/>
@@ -36192,7 +36133,7 @@
           <p:cNvPr id="24" name="그림 23">
             <a:extLst>
               <a:ext uri="{FF2B5EF4-FFF2-40B4-BE49-F238E27FC236}">
-                <a16:creationId xmlns:a16="http://schemas.microsoft.com/office/drawing/2014/main" xmlns="" id="{A9C90B28-BE75-4AB6-B534-7442C4B24ED6}"/>
+                <a16:creationId xmlns="" xmlns:a16="http://schemas.microsoft.com/office/drawing/2014/main" id="{A9C90B28-BE75-4AB6-B534-7442C4B24ED6}"/>
               </a:ext>
             </a:extLst>
           </p:cNvPr>
@@ -36266,7 +36207,7 @@
           <p:cNvPr id="2" name="그룹 1">
             <a:extLst>
               <a:ext uri="{FF2B5EF4-FFF2-40B4-BE49-F238E27FC236}">
-                <a16:creationId xmlns:a16="http://schemas.microsoft.com/office/drawing/2014/main" xmlns="" id="{D38FE608-8D17-49BB-972B-A46D5CF18168}"/>
+                <a16:creationId xmlns="" xmlns:a16="http://schemas.microsoft.com/office/drawing/2014/main" id="{D38FE608-8D17-49BB-972B-A46D5CF18168}"/>
               </a:ext>
             </a:extLst>
           </p:cNvPr>
@@ -36988,7 +36929,7 @@
           <p:cNvPr id="2" name="그룹 1">
             <a:extLst>
               <a:ext uri="{FF2B5EF4-FFF2-40B4-BE49-F238E27FC236}">
-                <a16:creationId xmlns:a16="http://schemas.microsoft.com/office/drawing/2014/main" xmlns="" id="{D38FE608-8D17-49BB-972B-A46D5CF18168}"/>
+                <a16:creationId xmlns="" xmlns:a16="http://schemas.microsoft.com/office/drawing/2014/main" id="{D38FE608-8D17-49BB-972B-A46D5CF18168}"/>
               </a:ext>
             </a:extLst>
           </p:cNvPr>
@@ -37673,7 +37614,7 @@
           <p:cNvPr id="26" name="그림 25">
             <a:extLst>
               <a:ext uri="{FF2B5EF4-FFF2-40B4-BE49-F238E27FC236}">
-                <a16:creationId xmlns:a16="http://schemas.microsoft.com/office/drawing/2014/main" xmlns="" id="{A9C90B28-BE75-4AB6-B534-7442C4B24ED6}"/>
+                <a16:creationId xmlns="" xmlns:a16="http://schemas.microsoft.com/office/drawing/2014/main" id="{A9C90B28-BE75-4AB6-B534-7442C4B24ED6}"/>
               </a:ext>
             </a:extLst>
           </p:cNvPr>
@@ -37935,7 +37876,7 @@
           <p:cNvPr id="9" name="그림 8">
             <a:extLst>
               <a:ext uri="{FF2B5EF4-FFF2-40B4-BE49-F238E27FC236}">
-                <a16:creationId xmlns:a16="http://schemas.microsoft.com/office/drawing/2014/main" xmlns="" id="{A9C90B28-BE75-4AB6-B534-7442C4B24ED6}"/>
+                <a16:creationId xmlns="" xmlns:a16="http://schemas.microsoft.com/office/drawing/2014/main" id="{A9C90B28-BE75-4AB6-B534-7442C4B24ED6}"/>
               </a:ext>
             </a:extLst>
           </p:cNvPr>
@@ -38009,7 +37950,7 @@
           <p:cNvPr id="2" name="그룹 1">
             <a:extLst>
               <a:ext uri="{FF2B5EF4-FFF2-40B4-BE49-F238E27FC236}">
-                <a16:creationId xmlns:a16="http://schemas.microsoft.com/office/drawing/2014/main" xmlns="" id="{D38FE608-8D17-49BB-972B-A46D5CF18168}"/>
+                <a16:creationId xmlns="" xmlns:a16="http://schemas.microsoft.com/office/drawing/2014/main" id="{D38FE608-8D17-49BB-972B-A46D5CF18168}"/>
               </a:ext>
             </a:extLst>
           </p:cNvPr>
@@ -38671,7 +38612,7 @@
           <p:cNvPr id="16" name="그림 15">
             <a:extLst>
               <a:ext uri="{FF2B5EF4-FFF2-40B4-BE49-F238E27FC236}">
-                <a16:creationId xmlns:a16="http://schemas.microsoft.com/office/drawing/2014/main" xmlns="" id="{A9C90B28-BE75-4AB6-B534-7442C4B24ED6}"/>
+                <a16:creationId xmlns="" xmlns:a16="http://schemas.microsoft.com/office/drawing/2014/main" id="{A9C90B28-BE75-4AB6-B534-7442C4B24ED6}"/>
               </a:ext>
             </a:extLst>
           </p:cNvPr>
@@ -38805,7 +38746,7 @@
           <p:cNvPr id="2" name="그룹 1">
             <a:extLst>
               <a:ext uri="{FF2B5EF4-FFF2-40B4-BE49-F238E27FC236}">
-                <a16:creationId xmlns:a16="http://schemas.microsoft.com/office/drawing/2014/main" xmlns="" id="{D38FE608-8D17-49BB-972B-A46D5CF18168}"/>
+                <a16:creationId xmlns="" xmlns:a16="http://schemas.microsoft.com/office/drawing/2014/main" id="{D38FE608-8D17-49BB-972B-A46D5CF18168}"/>
               </a:ext>
             </a:extLst>
           </p:cNvPr>
@@ -39512,7 +39453,7 @@
           <p:cNvPr id="18" name="그림 17">
             <a:extLst>
               <a:ext uri="{FF2B5EF4-FFF2-40B4-BE49-F238E27FC236}">
-                <a16:creationId xmlns:a16="http://schemas.microsoft.com/office/drawing/2014/main" xmlns="" id="{A9C90B28-BE75-4AB6-B534-7442C4B24ED6}"/>
+                <a16:creationId xmlns="" xmlns:a16="http://schemas.microsoft.com/office/drawing/2014/main" id="{A9C90B28-BE75-4AB6-B534-7442C4B24ED6}"/>
               </a:ext>
             </a:extLst>
           </p:cNvPr>
@@ -39837,7 +39778,7 @@
           <p:cNvPr id="2" name="그룹 1">
             <a:extLst>
               <a:ext uri="{FF2B5EF4-FFF2-40B4-BE49-F238E27FC236}">
-                <a16:creationId xmlns:a16="http://schemas.microsoft.com/office/drawing/2014/main" xmlns="" id="{D38FE608-8D17-49BB-972B-A46D5CF18168}"/>
+                <a16:creationId xmlns="" xmlns:a16="http://schemas.microsoft.com/office/drawing/2014/main" id="{D38FE608-8D17-49BB-972B-A46D5CF18168}"/>
               </a:ext>
             </a:extLst>
           </p:cNvPr>
@@ -40499,7 +40440,7 @@
           <p:cNvPr id="16" name="그림 15">
             <a:extLst>
               <a:ext uri="{FF2B5EF4-FFF2-40B4-BE49-F238E27FC236}">
-                <a16:creationId xmlns:a16="http://schemas.microsoft.com/office/drawing/2014/main" xmlns="" id="{A9C90B28-BE75-4AB6-B534-7442C4B24ED6}"/>
+                <a16:creationId xmlns="" xmlns:a16="http://schemas.microsoft.com/office/drawing/2014/main" id="{A9C90B28-BE75-4AB6-B534-7442C4B24ED6}"/>
               </a:ext>
             </a:extLst>
           </p:cNvPr>
@@ -40896,7 +40837,7 @@
           <p:cNvPr id="5" name="그림 4">
             <a:extLst>
               <a:ext uri="{FF2B5EF4-FFF2-40B4-BE49-F238E27FC236}">
-                <a16:creationId xmlns:a16="http://schemas.microsoft.com/office/drawing/2014/main" xmlns="" id="{45FCA530-E7FD-420F-890D-F5571F111446}"/>
+                <a16:creationId xmlns="" xmlns:a16="http://schemas.microsoft.com/office/drawing/2014/main" id="{45FCA530-E7FD-420F-890D-F5571F111446}"/>
               </a:ext>
             </a:extLst>
           </p:cNvPr>
@@ -40993,7 +40934,7 @@
           <p:cNvPr id="2" name="그룹 1">
             <a:extLst>
               <a:ext uri="{FF2B5EF4-FFF2-40B4-BE49-F238E27FC236}">
-                <a16:creationId xmlns:a16="http://schemas.microsoft.com/office/drawing/2014/main" xmlns="" id="{D38FE608-8D17-49BB-972B-A46D5CF18168}"/>
+                <a16:creationId xmlns="" xmlns:a16="http://schemas.microsoft.com/office/drawing/2014/main" id="{D38FE608-8D17-49BB-972B-A46D5CF18168}"/>
               </a:ext>
             </a:extLst>
           </p:cNvPr>
@@ -41677,7 +41618,7 @@
           <p:cNvPr id="16" name="그림 15">
             <a:extLst>
               <a:ext uri="{FF2B5EF4-FFF2-40B4-BE49-F238E27FC236}">
-                <a16:creationId xmlns:a16="http://schemas.microsoft.com/office/drawing/2014/main" xmlns="" id="{A9C90B28-BE75-4AB6-B534-7442C4B24ED6}"/>
+                <a16:creationId xmlns="" xmlns:a16="http://schemas.microsoft.com/office/drawing/2014/main" id="{A9C90B28-BE75-4AB6-B534-7442C4B24ED6}"/>
               </a:ext>
             </a:extLst>
           </p:cNvPr>
@@ -41845,7 +41786,7 @@
           <p:cNvPr id="2" name="그룹 1">
             <a:extLst>
               <a:ext uri="{FF2B5EF4-FFF2-40B4-BE49-F238E27FC236}">
-                <a16:creationId xmlns:a16="http://schemas.microsoft.com/office/drawing/2014/main" xmlns="" id="{D38FE608-8D17-49BB-972B-A46D5CF18168}"/>
+                <a16:creationId xmlns="" xmlns:a16="http://schemas.microsoft.com/office/drawing/2014/main" id="{D38FE608-8D17-49BB-972B-A46D5CF18168}"/>
               </a:ext>
             </a:extLst>
           </p:cNvPr>
@@ -42529,7 +42470,7 @@
           <p:cNvPr id="16" name="그림 15">
             <a:extLst>
               <a:ext uri="{FF2B5EF4-FFF2-40B4-BE49-F238E27FC236}">
-                <a16:creationId xmlns:a16="http://schemas.microsoft.com/office/drawing/2014/main" xmlns="" id="{A9C90B28-BE75-4AB6-B534-7442C4B24ED6}"/>
+                <a16:creationId xmlns="" xmlns:a16="http://schemas.microsoft.com/office/drawing/2014/main" id="{A9C90B28-BE75-4AB6-B534-7442C4B24ED6}"/>
               </a:ext>
             </a:extLst>
           </p:cNvPr>
@@ -42738,7 +42679,7 @@
           <p:cNvPr id="2" name="그룹 1">
             <a:extLst>
               <a:ext uri="{FF2B5EF4-FFF2-40B4-BE49-F238E27FC236}">
-                <a16:creationId xmlns:a16="http://schemas.microsoft.com/office/drawing/2014/main" xmlns="" id="{D38FE608-8D17-49BB-972B-A46D5CF18168}"/>
+                <a16:creationId xmlns="" xmlns:a16="http://schemas.microsoft.com/office/drawing/2014/main" id="{D38FE608-8D17-49BB-972B-A46D5CF18168}"/>
               </a:ext>
             </a:extLst>
           </p:cNvPr>
@@ -43589,7 +43530,7 @@
           <p:cNvPr id="20" name="그림 19">
             <a:extLst>
               <a:ext uri="{FF2B5EF4-FFF2-40B4-BE49-F238E27FC236}">
-                <a16:creationId xmlns:a16="http://schemas.microsoft.com/office/drawing/2014/main" xmlns="" id="{A9C90B28-BE75-4AB6-B534-7442C4B24ED6}"/>
+                <a16:creationId xmlns="" xmlns:a16="http://schemas.microsoft.com/office/drawing/2014/main" id="{A9C90B28-BE75-4AB6-B534-7442C4B24ED6}"/>
               </a:ext>
             </a:extLst>
           </p:cNvPr>
@@ -43663,7 +43604,7 @@
           <p:cNvPr id="2" name="그룹 1">
             <a:extLst>
               <a:ext uri="{FF2B5EF4-FFF2-40B4-BE49-F238E27FC236}">
-                <a16:creationId xmlns:a16="http://schemas.microsoft.com/office/drawing/2014/main" xmlns="" id="{D38FE608-8D17-49BB-972B-A46D5CF18168}"/>
+                <a16:creationId xmlns="" xmlns:a16="http://schemas.microsoft.com/office/drawing/2014/main" id="{D38FE608-8D17-49BB-972B-A46D5CF18168}"/>
               </a:ext>
             </a:extLst>
           </p:cNvPr>
@@ -44370,7 +44311,7 @@
           <p:cNvPr id="21" name="그림 20">
             <a:extLst>
               <a:ext uri="{FF2B5EF4-FFF2-40B4-BE49-F238E27FC236}">
-                <a16:creationId xmlns:a16="http://schemas.microsoft.com/office/drawing/2014/main" xmlns="" id="{A9C90B28-BE75-4AB6-B534-7442C4B24ED6}"/>
+                <a16:creationId xmlns="" xmlns:a16="http://schemas.microsoft.com/office/drawing/2014/main" id="{A9C90B28-BE75-4AB6-B534-7442C4B24ED6}"/>
               </a:ext>
             </a:extLst>
           </p:cNvPr>
@@ -44556,7 +44497,7 @@
           <p:cNvPr id="2" name="그룹 1">
             <a:extLst>
               <a:ext uri="{FF2B5EF4-FFF2-40B4-BE49-F238E27FC236}">
-                <a16:creationId xmlns:a16="http://schemas.microsoft.com/office/drawing/2014/main" xmlns="" id="{D38FE608-8D17-49BB-972B-A46D5CF18168}"/>
+                <a16:creationId xmlns="" xmlns:a16="http://schemas.microsoft.com/office/drawing/2014/main" id="{D38FE608-8D17-49BB-972B-A46D5CF18168}"/>
               </a:ext>
             </a:extLst>
           </p:cNvPr>
@@ -45263,7 +45204,7 @@
           <p:cNvPr id="21" name="그림 20">
             <a:extLst>
               <a:ext uri="{FF2B5EF4-FFF2-40B4-BE49-F238E27FC236}">
-                <a16:creationId xmlns:a16="http://schemas.microsoft.com/office/drawing/2014/main" xmlns="" id="{A9C90B28-BE75-4AB6-B534-7442C4B24ED6}"/>
+                <a16:creationId xmlns="" xmlns:a16="http://schemas.microsoft.com/office/drawing/2014/main" id="{A9C90B28-BE75-4AB6-B534-7442C4B24ED6}"/>
               </a:ext>
             </a:extLst>
           </p:cNvPr>
@@ -45449,7 +45390,7 @@
           <p:cNvPr id="2" name="그룹 1">
             <a:extLst>
               <a:ext uri="{FF2B5EF4-FFF2-40B4-BE49-F238E27FC236}">
-                <a16:creationId xmlns:a16="http://schemas.microsoft.com/office/drawing/2014/main" xmlns="" id="{D38FE608-8D17-49BB-972B-A46D5CF18168}"/>
+                <a16:creationId xmlns="" xmlns:a16="http://schemas.microsoft.com/office/drawing/2014/main" id="{D38FE608-8D17-49BB-972B-A46D5CF18168}"/>
               </a:ext>
             </a:extLst>
           </p:cNvPr>
@@ -46156,7 +46097,7 @@
           <p:cNvPr id="15" name="그림 14">
             <a:extLst>
               <a:ext uri="{FF2B5EF4-FFF2-40B4-BE49-F238E27FC236}">
-                <a16:creationId xmlns:a16="http://schemas.microsoft.com/office/drawing/2014/main" xmlns="" id="{A9C90B28-BE75-4AB6-B534-7442C4B24ED6}"/>
+                <a16:creationId xmlns="" xmlns:a16="http://schemas.microsoft.com/office/drawing/2014/main" id="{A9C90B28-BE75-4AB6-B534-7442C4B24ED6}"/>
               </a:ext>
             </a:extLst>
           </p:cNvPr>
